--- a/Dokumenter/IT-veilendning.pptx
+++ b/Dokumenter/IT-veilendning.pptx
@@ -12,6 +12,10 @@
     <p:sldId id="276" r:id="rId6"/>
     <p:sldId id="277" r:id="rId7"/>
     <p:sldId id="271" r:id="rId8"/>
+    <p:sldId id="278" r:id="rId9"/>
+    <p:sldId id="279" r:id="rId10"/>
+    <p:sldId id="281" r:id="rId11"/>
+    <p:sldId id="280" r:id="rId12"/>
   </p:sldIdLst>
   <p:sldSz cx="12192000" cy="6858000"/>
   <p:notesSz cx="6858000" cy="9144000"/>
@@ -110,19 +114,132 @@
       </a:defRPr>
     </a:lvl9pPr>
   </p:defaultTextStyle>
+  <p:extLst>
+    <p:ext uri="{EFAFB233-063F-42B5-8137-9DF3F51BA10A}">
+      <p15:sldGuideLst xmlns:p15="http://schemas.microsoft.com/office/powerpoint/2012/main"/>
+    </p:ext>
+  </p:extLst>
 </p:presentation>
 </file>
 
 <file path=ppt/revisionInfo.xml><?xml version="1.0" encoding="utf-8"?>
 <p1510:revInfo xmlns:a="http://schemas.openxmlformats.org/drawingml/2006/main" xmlns:r="http://schemas.openxmlformats.org/officeDocument/2006/relationships" xmlns:p1510="http://schemas.microsoft.com/office/powerpoint/2015/10/main">
   <p1510:revLst>
-    <p1510:client id="{BC7EFC43-34DF-4396-BF00-F6A3409A2D70}" v="2" dt="2023-12-07T21:16:37.304"/>
+    <p1510:client id="{3E259C08-FCAB-4CC7-9997-46550614F66C}" v="3" dt="2023-12-08T12:17:17.871"/>
   </p1510:revLst>
 </p1510:revInfo>
 </file>
 
 <file path=ppt/changesInfos/changesInfo1.xml><?xml version="1.0" encoding="utf-8"?>
 <pc:chgInfo xmlns:a="http://schemas.openxmlformats.org/drawingml/2006/main" xmlns:r="http://schemas.openxmlformats.org/officeDocument/2006/relationships" xmlns:ac="http://schemas.microsoft.com/office/drawing/2013/main/command" xmlns:pc="http://schemas.microsoft.com/office/powerpoint/2013/main/command">
+  <pc:docChgLst>
+    <pc:chgData name="Adrian Paul Limpiado Balunan" userId="e4c1a52f-95e0-42a3-9589-8dd3b3a00c3f" providerId="ADAL" clId="{B8931D1F-43BE-43D0-A5AD-641E8206BDBA}"/>
+    <pc:docChg chg="custSel addSld modSld">
+      <pc:chgData name="Adrian Paul Limpiado Balunan" userId="e4c1a52f-95e0-42a3-9589-8dd3b3a00c3f" providerId="ADAL" clId="{B8931D1F-43BE-43D0-A5AD-641E8206BDBA}" dt="2023-12-08T22:08:55.695" v="1404" actId="20577"/>
+      <pc:docMkLst>
+        <pc:docMk/>
+      </pc:docMkLst>
+      <pc:sldChg chg="modSp mod">
+        <pc:chgData name="Adrian Paul Limpiado Balunan" userId="e4c1a52f-95e0-42a3-9589-8dd3b3a00c3f" providerId="ADAL" clId="{B8931D1F-43BE-43D0-A5AD-641E8206BDBA}" dt="2023-12-08T22:08:55.695" v="1404" actId="20577"/>
+        <pc:sldMkLst>
+          <pc:docMk/>
+          <pc:sldMk cId="3191017365" sldId="258"/>
+        </pc:sldMkLst>
+        <pc:spChg chg="mod">
+          <ac:chgData name="Adrian Paul Limpiado Balunan" userId="e4c1a52f-95e0-42a3-9589-8dd3b3a00c3f" providerId="ADAL" clId="{B8931D1F-43BE-43D0-A5AD-641E8206BDBA}" dt="2023-12-08T22:07:33.343" v="1253" actId="14100"/>
+          <ac:spMkLst>
+            <pc:docMk/>
+            <pc:sldMk cId="3191017365" sldId="258"/>
+            <ac:spMk id="5" creationId="{BD15B45B-F85C-D479-8E11-DA9E7A0057BA}"/>
+          </ac:spMkLst>
+        </pc:spChg>
+        <pc:spChg chg="mod">
+          <ac:chgData name="Adrian Paul Limpiado Balunan" userId="e4c1a52f-95e0-42a3-9589-8dd3b3a00c3f" providerId="ADAL" clId="{B8931D1F-43BE-43D0-A5AD-641E8206BDBA}" dt="2023-12-08T22:08:55.695" v="1404" actId="20577"/>
+          <ac:spMkLst>
+            <pc:docMk/>
+            <pc:sldMk cId="3191017365" sldId="258"/>
+            <ac:spMk id="9" creationId="{B9E2A74B-2F3A-FFB2-B248-2EE59463067B}"/>
+          </ac:spMkLst>
+        </pc:spChg>
+      </pc:sldChg>
+      <pc:sldChg chg="modSp mod">
+        <pc:chgData name="Adrian Paul Limpiado Balunan" userId="e4c1a52f-95e0-42a3-9589-8dd3b3a00c3f" providerId="ADAL" clId="{B8931D1F-43BE-43D0-A5AD-641E8206BDBA}" dt="2023-12-08T21:46:18.529" v="11" actId="20577"/>
+        <pc:sldMkLst>
+          <pc:docMk/>
+          <pc:sldMk cId="1979132623" sldId="278"/>
+        </pc:sldMkLst>
+        <pc:spChg chg="mod">
+          <ac:chgData name="Adrian Paul Limpiado Balunan" userId="e4c1a52f-95e0-42a3-9589-8dd3b3a00c3f" providerId="ADAL" clId="{B8931D1F-43BE-43D0-A5AD-641E8206BDBA}" dt="2023-12-08T21:46:18.529" v="11" actId="20577"/>
+          <ac:spMkLst>
+            <pc:docMk/>
+            <pc:sldMk cId="1979132623" sldId="278"/>
+            <ac:spMk id="3" creationId="{0F3AA800-AFEC-B4F8-49B4-4686A21BF224}"/>
+          </ac:spMkLst>
+        </pc:spChg>
+      </pc:sldChg>
+      <pc:sldChg chg="modSp mod">
+        <pc:chgData name="Adrian Paul Limpiado Balunan" userId="e4c1a52f-95e0-42a3-9589-8dd3b3a00c3f" providerId="ADAL" clId="{B8931D1F-43BE-43D0-A5AD-641E8206BDBA}" dt="2023-12-08T21:55:11.582" v="222" actId="255"/>
+        <pc:sldMkLst>
+          <pc:docMk/>
+          <pc:sldMk cId="1958173828" sldId="279"/>
+        </pc:sldMkLst>
+        <pc:spChg chg="mod">
+          <ac:chgData name="Adrian Paul Limpiado Balunan" userId="e4c1a52f-95e0-42a3-9589-8dd3b3a00c3f" providerId="ADAL" clId="{B8931D1F-43BE-43D0-A5AD-641E8206BDBA}" dt="2023-12-08T21:55:11.582" v="222" actId="255"/>
+          <ac:spMkLst>
+            <pc:docMk/>
+            <pc:sldMk cId="1958173828" sldId="279"/>
+            <ac:spMk id="3" creationId="{E69BE2D3-12C1-56E5-5212-12C9723D4438}"/>
+          </ac:spMkLst>
+        </pc:spChg>
+      </pc:sldChg>
+      <pc:sldChg chg="modSp mod">
+        <pc:chgData name="Adrian Paul Limpiado Balunan" userId="e4c1a52f-95e0-42a3-9589-8dd3b3a00c3f" providerId="ADAL" clId="{B8931D1F-43BE-43D0-A5AD-641E8206BDBA}" dt="2023-12-08T22:08:33.831" v="1363" actId="313"/>
+        <pc:sldMkLst>
+          <pc:docMk/>
+          <pc:sldMk cId="2289990041" sldId="280"/>
+        </pc:sldMkLst>
+        <pc:spChg chg="mod">
+          <ac:chgData name="Adrian Paul Limpiado Balunan" userId="e4c1a52f-95e0-42a3-9589-8dd3b3a00c3f" providerId="ADAL" clId="{B8931D1F-43BE-43D0-A5AD-641E8206BDBA}" dt="2023-12-08T22:08:33.831" v="1363" actId="313"/>
+          <ac:spMkLst>
+            <pc:docMk/>
+            <pc:sldMk cId="2289990041" sldId="280"/>
+            <ac:spMk id="2" creationId="{21E8067B-D394-4D11-2600-3D1840CAF962}"/>
+          </ac:spMkLst>
+        </pc:spChg>
+        <pc:spChg chg="mod">
+          <ac:chgData name="Adrian Paul Limpiado Balunan" userId="e4c1a52f-95e0-42a3-9589-8dd3b3a00c3f" providerId="ADAL" clId="{B8931D1F-43BE-43D0-A5AD-641E8206BDBA}" dt="2023-12-08T22:06:40.681" v="1247" actId="20577"/>
+          <ac:spMkLst>
+            <pc:docMk/>
+            <pc:sldMk cId="2289990041" sldId="280"/>
+            <ac:spMk id="3" creationId="{DBC21EA2-E29F-FF62-ED7E-1DDA6C6A4842}"/>
+          </ac:spMkLst>
+        </pc:spChg>
+      </pc:sldChg>
+      <pc:sldChg chg="modSp new mod">
+        <pc:chgData name="Adrian Paul Limpiado Balunan" userId="e4c1a52f-95e0-42a3-9589-8dd3b3a00c3f" providerId="ADAL" clId="{B8931D1F-43BE-43D0-A5AD-641E8206BDBA}" dt="2023-12-08T22:03:53.714" v="969" actId="20577"/>
+        <pc:sldMkLst>
+          <pc:docMk/>
+          <pc:sldMk cId="1861573702" sldId="281"/>
+        </pc:sldMkLst>
+        <pc:spChg chg="mod">
+          <ac:chgData name="Adrian Paul Limpiado Balunan" userId="e4c1a52f-95e0-42a3-9589-8dd3b3a00c3f" providerId="ADAL" clId="{B8931D1F-43BE-43D0-A5AD-641E8206BDBA}" dt="2023-12-08T21:56:31.280" v="302" actId="313"/>
+          <ac:spMkLst>
+            <pc:docMk/>
+            <pc:sldMk cId="1861573702" sldId="281"/>
+            <ac:spMk id="2" creationId="{7AA341A5-2A76-BA5A-3038-1609128F1DE0}"/>
+          </ac:spMkLst>
+        </pc:spChg>
+        <pc:spChg chg="mod">
+          <ac:chgData name="Adrian Paul Limpiado Balunan" userId="e4c1a52f-95e0-42a3-9589-8dd3b3a00c3f" providerId="ADAL" clId="{B8931D1F-43BE-43D0-A5AD-641E8206BDBA}" dt="2023-12-08T22:03:53.714" v="969" actId="20577"/>
+          <ac:spMkLst>
+            <pc:docMk/>
+            <pc:sldMk cId="1861573702" sldId="281"/>
+            <ac:spMk id="3" creationId="{792A36DB-AA49-82FE-2EF3-92431248CB89}"/>
+          </ac:spMkLst>
+        </pc:spChg>
+      </pc:sldChg>
+    </pc:docChg>
+  </pc:docChgLst>
   <pc:docChgLst>
     <pc:chgData name="Adrian Paul Limpiado Balunan" userId="e4c1a52f-95e0-42a3-9589-8dd3b3a00c3f" providerId="ADAL" clId="{BC7EFC43-34DF-4396-BF00-F6A3409A2D70}"/>
     <pc:docChg chg="undo custSel addSld delSld modSld sldOrd">
@@ -382,6 +499,130 @@
       </pc:sldChg>
     </pc:docChg>
   </pc:docChgLst>
+  <pc:docChgLst>
+    <pc:chgData name="Adrian Paul Limpiado Balunan" userId="e4c1a52f-95e0-42a3-9589-8dd3b3a00c3f" providerId="ADAL" clId="{3E259C08-FCAB-4CC7-9997-46550614F66C}"/>
+    <pc:docChg chg="undo custSel addSld modSld sldOrd">
+      <pc:chgData name="Adrian Paul Limpiado Balunan" userId="e4c1a52f-95e0-42a3-9589-8dd3b3a00c3f" providerId="ADAL" clId="{3E259C08-FCAB-4CC7-9997-46550614F66C}" dt="2023-12-08T12:32:16.798" v="1164" actId="255"/>
+      <pc:docMkLst>
+        <pc:docMk/>
+      </pc:docMkLst>
+      <pc:sldChg chg="modSp mod">
+        <pc:chgData name="Adrian Paul Limpiado Balunan" userId="e4c1a52f-95e0-42a3-9589-8dd3b3a00c3f" providerId="ADAL" clId="{3E259C08-FCAB-4CC7-9997-46550614F66C}" dt="2023-12-08T12:07:14.433" v="75" actId="20577"/>
+        <pc:sldMkLst>
+          <pc:docMk/>
+          <pc:sldMk cId="3191017365" sldId="258"/>
+        </pc:sldMkLst>
+        <pc:spChg chg="mod">
+          <ac:chgData name="Adrian Paul Limpiado Balunan" userId="e4c1a52f-95e0-42a3-9589-8dd3b3a00c3f" providerId="ADAL" clId="{3E259C08-FCAB-4CC7-9997-46550614F66C}" dt="2023-12-08T11:58:18.105" v="26" actId="20577"/>
+          <ac:spMkLst>
+            <pc:docMk/>
+            <pc:sldMk cId="3191017365" sldId="258"/>
+            <ac:spMk id="5" creationId="{BD15B45B-F85C-D479-8E11-DA9E7A0057BA}"/>
+          </ac:spMkLst>
+        </pc:spChg>
+        <pc:spChg chg="mod">
+          <ac:chgData name="Adrian Paul Limpiado Balunan" userId="e4c1a52f-95e0-42a3-9589-8dd3b3a00c3f" providerId="ADAL" clId="{3E259C08-FCAB-4CC7-9997-46550614F66C}" dt="2023-12-08T12:07:14.433" v="75" actId="20577"/>
+          <ac:spMkLst>
+            <pc:docMk/>
+            <pc:sldMk cId="3191017365" sldId="258"/>
+            <ac:spMk id="9" creationId="{B9E2A74B-2F3A-FFB2-B248-2EE59463067B}"/>
+          </ac:spMkLst>
+        </pc:spChg>
+      </pc:sldChg>
+      <pc:sldChg chg="modSp mod">
+        <pc:chgData name="Adrian Paul Limpiado Balunan" userId="e4c1a52f-95e0-42a3-9589-8dd3b3a00c3f" providerId="ADAL" clId="{3E259C08-FCAB-4CC7-9997-46550614F66C}" dt="2023-12-08T12:18:37.232" v="404" actId="255"/>
+        <pc:sldMkLst>
+          <pc:docMk/>
+          <pc:sldMk cId="1937537292" sldId="277"/>
+        </pc:sldMkLst>
+        <pc:spChg chg="mod">
+          <ac:chgData name="Adrian Paul Limpiado Balunan" userId="e4c1a52f-95e0-42a3-9589-8dd3b3a00c3f" providerId="ADAL" clId="{3E259C08-FCAB-4CC7-9997-46550614F66C}" dt="2023-12-08T12:18:37.232" v="404" actId="255"/>
+          <ac:spMkLst>
+            <pc:docMk/>
+            <pc:sldMk cId="1937537292" sldId="277"/>
+            <ac:spMk id="3" creationId="{0F3AA800-AFEC-B4F8-49B4-4686A21BF224}"/>
+          </ac:spMkLst>
+        </pc:spChg>
+      </pc:sldChg>
+      <pc:sldChg chg="modSp add mod ord">
+        <pc:chgData name="Adrian Paul Limpiado Balunan" userId="e4c1a52f-95e0-42a3-9589-8dd3b3a00c3f" providerId="ADAL" clId="{3E259C08-FCAB-4CC7-9997-46550614F66C}" dt="2023-12-08T12:25:47.810" v="641" actId="20577"/>
+        <pc:sldMkLst>
+          <pc:docMk/>
+          <pc:sldMk cId="1979132623" sldId="278"/>
+        </pc:sldMkLst>
+        <pc:spChg chg="mod">
+          <ac:chgData name="Adrian Paul Limpiado Balunan" userId="e4c1a52f-95e0-42a3-9589-8dd3b3a00c3f" providerId="ADAL" clId="{3E259C08-FCAB-4CC7-9997-46550614F66C}" dt="2023-12-08T12:07:41.659" v="102" actId="20577"/>
+          <ac:spMkLst>
+            <pc:docMk/>
+            <pc:sldMk cId="1979132623" sldId="278"/>
+            <ac:spMk id="2" creationId="{B10DD15A-838F-B8FF-7095-B5E42E144D80}"/>
+          </ac:spMkLst>
+        </pc:spChg>
+        <pc:spChg chg="mod">
+          <ac:chgData name="Adrian Paul Limpiado Balunan" userId="e4c1a52f-95e0-42a3-9589-8dd3b3a00c3f" providerId="ADAL" clId="{3E259C08-FCAB-4CC7-9997-46550614F66C}" dt="2023-12-08T12:25:47.810" v="641" actId="20577"/>
+          <ac:spMkLst>
+            <pc:docMk/>
+            <pc:sldMk cId="1979132623" sldId="278"/>
+            <ac:spMk id="3" creationId="{0F3AA800-AFEC-B4F8-49B4-4686A21BF224}"/>
+          </ac:spMkLst>
+        </pc:spChg>
+      </pc:sldChg>
+      <pc:sldChg chg="addSp delSp modSp new mod">
+        <pc:chgData name="Adrian Paul Limpiado Balunan" userId="e4c1a52f-95e0-42a3-9589-8dd3b3a00c3f" providerId="ADAL" clId="{3E259C08-FCAB-4CC7-9997-46550614F66C}" dt="2023-12-08T12:32:16.798" v="1164" actId="255"/>
+        <pc:sldMkLst>
+          <pc:docMk/>
+          <pc:sldMk cId="1958173828" sldId="279"/>
+        </pc:sldMkLst>
+        <pc:spChg chg="mod">
+          <ac:chgData name="Adrian Paul Limpiado Balunan" userId="e4c1a52f-95e0-42a3-9589-8dd3b3a00c3f" providerId="ADAL" clId="{3E259C08-FCAB-4CC7-9997-46550614F66C}" dt="2023-12-08T12:27:50.295" v="713" actId="20577"/>
+          <ac:spMkLst>
+            <pc:docMk/>
+            <pc:sldMk cId="1958173828" sldId="279"/>
+            <ac:spMk id="2" creationId="{86676FE9-FAA8-C2C3-44E0-A85551496DCD}"/>
+          </ac:spMkLst>
+        </pc:spChg>
+        <pc:spChg chg="add del mod">
+          <ac:chgData name="Adrian Paul Limpiado Balunan" userId="e4c1a52f-95e0-42a3-9589-8dd3b3a00c3f" providerId="ADAL" clId="{3E259C08-FCAB-4CC7-9997-46550614F66C}" dt="2023-12-08T12:32:16.798" v="1164" actId="255"/>
+          <ac:spMkLst>
+            <pc:docMk/>
+            <pc:sldMk cId="1958173828" sldId="279"/>
+            <ac:spMk id="3" creationId="{E69BE2D3-12C1-56E5-5212-12C9723D4438}"/>
+          </ac:spMkLst>
+        </pc:spChg>
+        <pc:graphicFrameChg chg="add del mod">
+          <ac:chgData name="Adrian Paul Limpiado Balunan" userId="e4c1a52f-95e0-42a3-9589-8dd3b3a00c3f" providerId="ADAL" clId="{3E259C08-FCAB-4CC7-9997-46550614F66C}" dt="2023-12-08T12:17:17.871" v="339"/>
+          <ac:graphicFrameMkLst>
+            <pc:docMk/>
+            <pc:sldMk cId="1958173828" sldId="279"/>
+            <ac:graphicFrameMk id="4" creationId="{976B4300-6B1A-BE54-14EB-7C4318E91529}"/>
+          </ac:graphicFrameMkLst>
+        </pc:graphicFrameChg>
+      </pc:sldChg>
+      <pc:sldChg chg="modSp new mod">
+        <pc:chgData name="Adrian Paul Limpiado Balunan" userId="e4c1a52f-95e0-42a3-9589-8dd3b3a00c3f" providerId="ADAL" clId="{3E259C08-FCAB-4CC7-9997-46550614F66C}" dt="2023-12-08T12:16:47.134" v="337" actId="20577"/>
+        <pc:sldMkLst>
+          <pc:docMk/>
+          <pc:sldMk cId="2289990041" sldId="280"/>
+        </pc:sldMkLst>
+        <pc:spChg chg="mod">
+          <ac:chgData name="Adrian Paul Limpiado Balunan" userId="e4c1a52f-95e0-42a3-9589-8dd3b3a00c3f" providerId="ADAL" clId="{3E259C08-FCAB-4CC7-9997-46550614F66C}" dt="2023-12-08T12:13:29.942" v="230" actId="20577"/>
+          <ac:spMkLst>
+            <pc:docMk/>
+            <pc:sldMk cId="2289990041" sldId="280"/>
+            <ac:spMk id="2" creationId="{21E8067B-D394-4D11-2600-3D1840CAF962}"/>
+          </ac:spMkLst>
+        </pc:spChg>
+        <pc:spChg chg="mod">
+          <ac:chgData name="Adrian Paul Limpiado Balunan" userId="e4c1a52f-95e0-42a3-9589-8dd3b3a00c3f" providerId="ADAL" clId="{3E259C08-FCAB-4CC7-9997-46550614F66C}" dt="2023-12-08T12:16:47.134" v="337" actId="20577"/>
+          <ac:spMkLst>
+            <pc:docMk/>
+            <pc:sldMk cId="2289990041" sldId="280"/>
+            <ac:spMk id="3" creationId="{DBC21EA2-E29F-FF62-ED7E-1DDA6C6A4842}"/>
+          </ac:spMkLst>
+        </pc:spChg>
+      </pc:sldChg>
+    </pc:docChg>
+  </pc:docChgLst>
 </pc:chgInfo>
 </file>
 
@@ -534,7 +775,7 @@
           <a:p>
             <a:fld id="{A638B3EE-1398-4E45-B4AE-B82FB1AF5135}" type="datetimeFigureOut">
               <a:rPr lang="en-GB" smtClean="0"/>
-              <a:t>07/12/2023</a:t>
+              <a:t>08/12/2023</a:t>
             </a:fld>
             <a:endParaRPr lang="en-GB"/>
           </a:p>
@@ -734,7 +975,7 @@
           <a:p>
             <a:fld id="{A638B3EE-1398-4E45-B4AE-B82FB1AF5135}" type="datetimeFigureOut">
               <a:rPr lang="en-GB" smtClean="0"/>
-              <a:t>07/12/2023</a:t>
+              <a:t>08/12/2023</a:t>
             </a:fld>
             <a:endParaRPr lang="en-GB"/>
           </a:p>
@@ -944,7 +1185,7 @@
           <a:p>
             <a:fld id="{A638B3EE-1398-4E45-B4AE-B82FB1AF5135}" type="datetimeFigureOut">
               <a:rPr lang="en-GB" smtClean="0"/>
-              <a:t>07/12/2023</a:t>
+              <a:t>08/12/2023</a:t>
             </a:fld>
             <a:endParaRPr lang="en-GB"/>
           </a:p>
@@ -1144,7 +1385,7 @@
           <a:p>
             <a:fld id="{A638B3EE-1398-4E45-B4AE-B82FB1AF5135}" type="datetimeFigureOut">
               <a:rPr lang="en-GB" smtClean="0"/>
-              <a:t>07/12/2023</a:t>
+              <a:t>08/12/2023</a:t>
             </a:fld>
             <a:endParaRPr lang="en-GB"/>
           </a:p>
@@ -1420,7 +1661,7 @@
           <a:p>
             <a:fld id="{A638B3EE-1398-4E45-B4AE-B82FB1AF5135}" type="datetimeFigureOut">
               <a:rPr lang="en-GB" smtClean="0"/>
-              <a:t>07/12/2023</a:t>
+              <a:t>08/12/2023</a:t>
             </a:fld>
             <a:endParaRPr lang="en-GB"/>
           </a:p>
@@ -1688,7 +1929,7 @@
           <a:p>
             <a:fld id="{A638B3EE-1398-4E45-B4AE-B82FB1AF5135}" type="datetimeFigureOut">
               <a:rPr lang="en-GB" smtClean="0"/>
-              <a:t>07/12/2023</a:t>
+              <a:t>08/12/2023</a:t>
             </a:fld>
             <a:endParaRPr lang="en-GB"/>
           </a:p>
@@ -2103,7 +2344,7 @@
           <a:p>
             <a:fld id="{A638B3EE-1398-4E45-B4AE-B82FB1AF5135}" type="datetimeFigureOut">
               <a:rPr lang="en-GB" smtClean="0"/>
-              <a:t>07/12/2023</a:t>
+              <a:t>08/12/2023</a:t>
             </a:fld>
             <a:endParaRPr lang="en-GB"/>
           </a:p>
@@ -2245,7 +2486,7 @@
           <a:p>
             <a:fld id="{A638B3EE-1398-4E45-B4AE-B82FB1AF5135}" type="datetimeFigureOut">
               <a:rPr lang="en-GB" smtClean="0"/>
-              <a:t>07/12/2023</a:t>
+              <a:t>08/12/2023</a:t>
             </a:fld>
             <a:endParaRPr lang="en-GB"/>
           </a:p>
@@ -2358,7 +2599,7 @@
           <a:p>
             <a:fld id="{A638B3EE-1398-4E45-B4AE-B82FB1AF5135}" type="datetimeFigureOut">
               <a:rPr lang="en-GB" smtClean="0"/>
-              <a:t>07/12/2023</a:t>
+              <a:t>08/12/2023</a:t>
             </a:fld>
             <a:endParaRPr lang="en-GB"/>
           </a:p>
@@ -2671,7 +2912,7 @@
           <a:p>
             <a:fld id="{A638B3EE-1398-4E45-B4AE-B82FB1AF5135}" type="datetimeFigureOut">
               <a:rPr lang="en-GB" smtClean="0"/>
-              <a:t>07/12/2023</a:t>
+              <a:t>08/12/2023</a:t>
             </a:fld>
             <a:endParaRPr lang="en-GB"/>
           </a:p>
@@ -2960,7 +3201,7 @@
           <a:p>
             <a:fld id="{A638B3EE-1398-4E45-B4AE-B82FB1AF5135}" type="datetimeFigureOut">
               <a:rPr lang="en-GB" smtClean="0"/>
-              <a:t>07/12/2023</a:t>
+              <a:t>08/12/2023</a:t>
             </a:fld>
             <a:endParaRPr lang="en-GB"/>
           </a:p>
@@ -3203,7 +3444,7 @@
           <a:p>
             <a:fld id="{A638B3EE-1398-4E45-B4AE-B82FB1AF5135}" type="datetimeFigureOut">
               <a:rPr lang="en-GB" smtClean="0"/>
-              <a:t>07/12/2023</a:t>
+              <a:t>08/12/2023</a:t>
             </a:fld>
             <a:endParaRPr lang="en-GB"/>
           </a:p>
@@ -3845,6 +4086,830 @@
 </p:sld>
 </file>
 
+<file path=ppt/slides/slide10.xml><?xml version="1.0" encoding="utf-8"?>
+<p:sld xmlns:a="http://schemas.openxmlformats.org/drawingml/2006/main" xmlns:r="http://schemas.openxmlformats.org/officeDocument/2006/relationships" xmlns:p="http://schemas.openxmlformats.org/presentationml/2006/main">
+  <p:cSld>
+    <p:spTree>
+      <p:nvGrpSpPr>
+        <p:cNvPr id="1" name=""/>
+        <p:cNvGrpSpPr/>
+        <p:nvPr/>
+      </p:nvGrpSpPr>
+      <p:grpSpPr>
+        <a:xfrm>
+          <a:off x="0" y="0"/>
+          <a:ext cx="0" cy="0"/>
+          <a:chOff x="0" y="0"/>
+          <a:chExt cx="0" cy="0"/>
+        </a:xfrm>
+      </p:grpSpPr>
+      <p:sp>
+        <p:nvSpPr>
+          <p:cNvPr id="2" name="Tittel 1">
+            <a:extLst>
+              <a:ext uri="{FF2B5EF4-FFF2-40B4-BE49-F238E27FC236}">
+                <a16:creationId xmlns:a16="http://schemas.microsoft.com/office/drawing/2014/main" id="{7AA341A5-2A76-BA5A-3038-1609128F1DE0}"/>
+              </a:ext>
+            </a:extLst>
+          </p:cNvPr>
+          <p:cNvSpPr>
+            <a:spLocks noGrp="1"/>
+          </p:cNvSpPr>
+          <p:nvPr>
+            <p:ph type="title"/>
+          </p:nvPr>
+        </p:nvSpPr>
+        <p:spPr/>
+        <p:txBody>
+          <a:bodyPr/>
+          <a:lstStyle/>
+          <a:p>
+            <a:r>
+              <a:rPr lang="nn-NO" dirty="0"/>
+              <a:t>Kopier «</a:t>
+            </a:r>
+            <a:r>
+              <a:rPr lang="nn-NO" dirty="0" err="1"/>
+              <a:t>directory</a:t>
+            </a:r>
+            <a:r>
+              <a:rPr lang="nn-NO" dirty="0"/>
+              <a:t>» </a:t>
+            </a:r>
+            <a:endParaRPr lang="en-GB" dirty="0"/>
+          </a:p>
+        </p:txBody>
+      </p:sp>
+      <p:sp>
+        <p:nvSpPr>
+          <p:cNvPr id="3" name="Plassholder for innhold 2">
+            <a:extLst>
+              <a:ext uri="{FF2B5EF4-FFF2-40B4-BE49-F238E27FC236}">
+                <a16:creationId xmlns:a16="http://schemas.microsoft.com/office/drawing/2014/main" id="{792A36DB-AA49-82FE-2EF3-92431248CB89}"/>
+              </a:ext>
+            </a:extLst>
+          </p:cNvPr>
+          <p:cNvSpPr>
+            <a:spLocks noGrp="1"/>
+          </p:cNvSpPr>
+          <p:nvPr>
+            <p:ph idx="1"/>
+          </p:nvPr>
+        </p:nvSpPr>
+        <p:spPr/>
+        <p:txBody>
+          <a:bodyPr>
+            <a:normAutofit fontScale="92500" lnSpcReduction="20000"/>
+          </a:bodyPr>
+          <a:lstStyle/>
+          <a:p>
+            <a:pPr marL="0" indent="0">
+              <a:buNone/>
+            </a:pPr>
+            <a:r>
+              <a:rPr lang="nn-NO" sz="2000" dirty="0"/>
+              <a:t>2 </a:t>
+            </a:r>
+            <a:r>
+              <a:rPr lang="nn-NO" sz="2000" dirty="0" err="1"/>
+              <a:t>Metoder</a:t>
+            </a:r>
+            <a:r>
+              <a:rPr lang="nn-NO" sz="2000" dirty="0"/>
+              <a:t> til å kopiere filer inn i server.</a:t>
+            </a:r>
+          </a:p>
+          <a:p>
+            <a:pPr marL="457200" indent="-457200">
+              <a:buFont typeface="+mj-lt"/>
+              <a:buAutoNum type="arabicPeriod"/>
+            </a:pPr>
+            <a:r>
+              <a:rPr lang="nn-NO" sz="2000" dirty="0" err="1"/>
+              <a:t>Git</a:t>
+            </a:r>
+            <a:r>
+              <a:rPr lang="nn-NO" sz="2000" dirty="0"/>
+              <a:t>:</a:t>
+            </a:r>
+          </a:p>
+          <a:p>
+            <a:pPr marL="0" indent="0">
+              <a:buNone/>
+            </a:pPr>
+            <a:r>
+              <a:rPr lang="nn-NO" sz="2000" dirty="0"/>
+              <a:t>Installer </a:t>
+            </a:r>
+            <a:r>
+              <a:rPr lang="nn-NO" sz="2000" dirty="0" err="1"/>
+              <a:t>git</a:t>
+            </a:r>
+            <a:r>
+              <a:rPr lang="nn-NO" sz="2000" dirty="0"/>
+              <a:t>:</a:t>
+            </a:r>
+          </a:p>
+          <a:p>
+            <a:pPr marL="0" indent="0">
+              <a:buNone/>
+            </a:pPr>
+            <a:r>
+              <a:rPr lang="nn-NO" sz="2000" dirty="0"/>
+              <a:t>	</a:t>
+            </a:r>
+            <a:r>
+              <a:rPr lang="nn-NO" sz="2000" dirty="0" err="1"/>
+              <a:t>sudo</a:t>
+            </a:r>
+            <a:r>
+              <a:rPr lang="nn-NO" sz="2000" dirty="0"/>
+              <a:t> apt-</a:t>
+            </a:r>
+            <a:r>
+              <a:rPr lang="nn-NO" sz="2000" dirty="0" err="1"/>
+              <a:t>get</a:t>
+            </a:r>
+            <a:r>
+              <a:rPr lang="nn-NO" sz="2000" dirty="0"/>
+              <a:t> </a:t>
+            </a:r>
+            <a:r>
+              <a:rPr lang="nn-NO" sz="2000" dirty="0" err="1"/>
+              <a:t>install</a:t>
+            </a:r>
+            <a:r>
+              <a:rPr lang="nn-NO" sz="2000" dirty="0"/>
+              <a:t> </a:t>
+            </a:r>
+            <a:r>
+              <a:rPr lang="nn-NO" sz="2000" dirty="0" err="1"/>
+              <a:t>git</a:t>
+            </a:r>
+            <a:endParaRPr lang="nn-NO" sz="2000" dirty="0"/>
+          </a:p>
+          <a:p>
+            <a:pPr marL="0" indent="0">
+              <a:buNone/>
+            </a:pPr>
+            <a:r>
+              <a:rPr lang="nn-NO" sz="2000" dirty="0"/>
+              <a:t>	(fullfør </a:t>
+            </a:r>
+            <a:r>
+              <a:rPr lang="nn-NO" sz="2000" dirty="0" err="1"/>
+              <a:t>git</a:t>
+            </a:r>
+            <a:r>
+              <a:rPr lang="nn-NO" sz="2000" dirty="0"/>
+              <a:t> </a:t>
+            </a:r>
+            <a:r>
+              <a:rPr lang="nn-NO" sz="2000" dirty="0" err="1"/>
+              <a:t>username</a:t>
+            </a:r>
+            <a:r>
+              <a:rPr lang="nn-NO" sz="2000" dirty="0"/>
+              <a:t> og </a:t>
+            </a:r>
+            <a:r>
+              <a:rPr lang="nn-NO" sz="2000" dirty="0" err="1"/>
+              <a:t>email</a:t>
+            </a:r>
+            <a:r>
+              <a:rPr lang="nn-NO" sz="2000" dirty="0"/>
+              <a:t> med </a:t>
+            </a:r>
+            <a:r>
+              <a:rPr lang="nn-NO" sz="2000" i="1" dirty="0" err="1"/>
+              <a:t>git</a:t>
+            </a:r>
+            <a:r>
+              <a:rPr lang="nn-NO" sz="2000" i="1" dirty="0"/>
+              <a:t> </a:t>
+            </a:r>
+            <a:r>
+              <a:rPr lang="nn-NO" sz="2000" i="1" dirty="0" err="1"/>
+              <a:t>config</a:t>
+            </a:r>
+            <a:r>
+              <a:rPr lang="nn-NO" sz="2000" i="1" dirty="0"/>
+              <a:t> –global </a:t>
+            </a:r>
+            <a:r>
+              <a:rPr lang="nn-NO" sz="2000" i="1" dirty="0" err="1"/>
+              <a:t>user</a:t>
+            </a:r>
+            <a:r>
+              <a:rPr lang="nn-NO" sz="2000" i="1" dirty="0"/>
+              <a:t>.(</a:t>
+            </a:r>
+            <a:r>
+              <a:rPr lang="nn-NO" sz="2000" i="1" dirty="0" err="1"/>
+              <a:t>name</a:t>
+            </a:r>
+            <a:r>
+              <a:rPr lang="nn-NO" sz="2000" i="1" dirty="0"/>
+              <a:t>/</a:t>
+            </a:r>
+            <a:r>
+              <a:rPr lang="nn-NO" sz="2000" i="1" dirty="0" err="1"/>
+              <a:t>email</a:t>
+            </a:r>
+            <a:r>
+              <a:rPr lang="nn-NO" sz="2000" i="1" dirty="0"/>
+              <a:t>) «Din </a:t>
+            </a:r>
+            <a:r>
+              <a:rPr lang="nn-NO" sz="2000" i="1" dirty="0" err="1"/>
+              <a:t>name</a:t>
+            </a:r>
+            <a:r>
+              <a:rPr lang="nn-NO" sz="2000" i="1" dirty="0"/>
+              <a:t> / 	</a:t>
+            </a:r>
+            <a:r>
+              <a:rPr lang="nn-NO" sz="2000" i="1" dirty="0" err="1"/>
+              <a:t>email</a:t>
+            </a:r>
+            <a:r>
+              <a:rPr lang="nn-NO" sz="2000" i="1" dirty="0"/>
+              <a:t>).</a:t>
+            </a:r>
+          </a:p>
+          <a:p>
+            <a:pPr marL="0" indent="0">
+              <a:buNone/>
+            </a:pPr>
+            <a:r>
+              <a:rPr lang="nn-NO" sz="2000" dirty="0" err="1"/>
+              <a:t>Git</a:t>
+            </a:r>
+            <a:r>
+              <a:rPr lang="nn-NO" sz="2000" dirty="0"/>
+              <a:t> </a:t>
+            </a:r>
+            <a:r>
+              <a:rPr lang="nn-NO" sz="2000" dirty="0" err="1"/>
+              <a:t>clone</a:t>
+            </a:r>
+            <a:r>
+              <a:rPr lang="nn-NO" sz="2000" dirty="0"/>
+              <a:t> link:</a:t>
+            </a:r>
+          </a:p>
+          <a:p>
+            <a:pPr marL="0" indent="0">
+              <a:buNone/>
+            </a:pPr>
+            <a:r>
+              <a:rPr lang="nn-NO" sz="2000" dirty="0"/>
+              <a:t>	</a:t>
+            </a:r>
+            <a:r>
+              <a:rPr lang="nn-NO" sz="2000" i="1" dirty="0"/>
+              <a:t>cd ‘/var/</a:t>
+            </a:r>
+            <a:r>
+              <a:rPr lang="nn-NO" sz="2000" i="1" dirty="0" err="1"/>
+              <a:t>www</a:t>
+            </a:r>
+            <a:r>
+              <a:rPr lang="nn-NO" sz="2000" i="1" dirty="0"/>
+              <a:t>/html’ </a:t>
+            </a:r>
+            <a:r>
+              <a:rPr lang="nn-NO" sz="2000" dirty="0"/>
+              <a:t>(</a:t>
+            </a:r>
+            <a:r>
+              <a:rPr lang="nn-NO" sz="2000" dirty="0" err="1"/>
+              <a:t>apache</a:t>
+            </a:r>
+            <a:r>
+              <a:rPr lang="nn-NO" sz="2000" dirty="0"/>
+              <a:t> </a:t>
+            </a:r>
+            <a:r>
+              <a:rPr lang="nn-NO" sz="2000" dirty="0" err="1"/>
+              <a:t>siden</a:t>
+            </a:r>
+            <a:r>
+              <a:rPr lang="nn-NO" sz="2000" dirty="0"/>
+              <a:t>)</a:t>
+            </a:r>
+          </a:p>
+          <a:p>
+            <a:pPr marL="0" indent="0">
+              <a:buNone/>
+            </a:pPr>
+            <a:r>
+              <a:rPr lang="nn-NO" sz="2000" dirty="0"/>
+              <a:t>	</a:t>
+            </a:r>
+            <a:r>
+              <a:rPr lang="nn-NO" sz="2000" i="1" dirty="0" err="1"/>
+              <a:t>git</a:t>
+            </a:r>
+            <a:r>
+              <a:rPr lang="nn-NO" sz="2000" i="1" dirty="0"/>
+              <a:t> </a:t>
+            </a:r>
+            <a:r>
+              <a:rPr lang="nn-NO" sz="2000" i="1" dirty="0" err="1"/>
+              <a:t>clone</a:t>
+            </a:r>
+            <a:r>
+              <a:rPr lang="nn-NO" sz="2000" i="1" dirty="0"/>
+              <a:t> «</a:t>
+            </a:r>
+            <a:r>
+              <a:rPr lang="nn-NO" sz="2000" i="1" dirty="0" err="1"/>
+              <a:t>reprository</a:t>
+            </a:r>
+            <a:r>
+              <a:rPr lang="nn-NO" sz="2000" i="1" dirty="0"/>
+              <a:t> link»</a:t>
+            </a:r>
+            <a:endParaRPr lang="nn-NO" sz="2000" dirty="0"/>
+          </a:p>
+          <a:p>
+            <a:pPr marL="0" indent="0">
+              <a:buNone/>
+            </a:pPr>
+            <a:r>
+              <a:rPr lang="nn-NO" sz="2000" i="1" dirty="0"/>
+              <a:t>2. </a:t>
+            </a:r>
+            <a:r>
+              <a:rPr lang="nn-NO" sz="2000" dirty="0" err="1"/>
+              <a:t>Secure</a:t>
+            </a:r>
+            <a:r>
+              <a:rPr lang="nn-NO" sz="2000" dirty="0"/>
+              <a:t> </a:t>
+            </a:r>
+            <a:r>
+              <a:rPr lang="nn-NO" sz="2000" dirty="0" err="1"/>
+              <a:t>copy</a:t>
+            </a:r>
+            <a:r>
+              <a:rPr lang="nn-NO" sz="2000" dirty="0"/>
+              <a:t>:</a:t>
+            </a:r>
+          </a:p>
+          <a:p>
+            <a:pPr marL="0" indent="0">
+              <a:buNone/>
+            </a:pPr>
+            <a:r>
+              <a:rPr lang="nb-NO" sz="2000" i="1" dirty="0">
+                <a:effectLst/>
+                <a:latin typeface="Calibri" panose="020F0502020204030204" pitchFamily="34" charset="0"/>
+              </a:rPr>
+              <a:t>	</a:t>
+            </a:r>
+            <a:r>
+              <a:rPr lang="nb-NO" sz="2000" i="1" dirty="0" err="1">
+                <a:effectLst/>
+                <a:latin typeface="Calibri" panose="020F0502020204030204" pitchFamily="34" charset="0"/>
+              </a:rPr>
+              <a:t>scp</a:t>
+            </a:r>
+            <a:r>
+              <a:rPr lang="nb-NO" sz="2000" i="1" dirty="0">
+                <a:effectLst/>
+                <a:latin typeface="Calibri" panose="020F0502020204030204" pitchFamily="34" charset="0"/>
+              </a:rPr>
+              <a:t> -r </a:t>
+            </a:r>
+            <a:r>
+              <a:rPr lang="nb-NO" sz="2000" b="1" i="1" dirty="0">
+                <a:effectLst/>
+                <a:latin typeface="Calibri" panose="020F0502020204030204" pitchFamily="34" charset="0"/>
+              </a:rPr>
+              <a:t>«Lokal mappe med filer installert</a:t>
+            </a:r>
+            <a:r>
+              <a:rPr lang="nb-NO" sz="2000" b="1" dirty="0">
+                <a:effectLst/>
+                <a:latin typeface="Calibri" panose="020F0502020204030204" pitchFamily="34" charset="0"/>
+              </a:rPr>
+              <a:t>» </a:t>
+            </a:r>
+            <a:r>
+              <a:rPr lang="nb-NO" sz="2000" dirty="0">
+                <a:effectLst/>
+                <a:latin typeface="Calibri" panose="020F0502020204030204" pitchFamily="34" charset="0"/>
+              </a:rPr>
+              <a:t>/</a:t>
+            </a:r>
+            <a:r>
+              <a:rPr lang="nb-NO" sz="2000" b="1" dirty="0">
+                <a:effectLst/>
+                <a:latin typeface="Calibri" panose="020F0502020204030204" pitchFamily="34" charset="0"/>
+              </a:rPr>
+              <a:t> «brukernavn til database</a:t>
+            </a:r>
+            <a:r>
+              <a:rPr lang="nb-NO" sz="2000" dirty="0">
+                <a:effectLst/>
+                <a:latin typeface="Calibri" panose="020F0502020204030204" pitchFamily="34" charset="0"/>
+              </a:rPr>
+              <a:t>»@ </a:t>
+            </a:r>
+            <a:r>
+              <a:rPr lang="nb-NO" sz="2000" b="1" dirty="0">
+                <a:effectLst/>
+                <a:latin typeface="Calibri" panose="020F0502020204030204" pitchFamily="34" charset="0"/>
+              </a:rPr>
+              <a:t>«</a:t>
+            </a:r>
+            <a:r>
+              <a:rPr lang="nb-NO" sz="2000" b="1" dirty="0" err="1">
+                <a:effectLst/>
+                <a:latin typeface="Calibri" panose="020F0502020204030204" pitchFamily="34" charset="0"/>
+              </a:rPr>
+              <a:t>Ip-address</a:t>
+            </a:r>
+            <a:r>
+              <a:rPr lang="nb-NO" sz="2000" b="1" dirty="0">
+                <a:effectLst/>
+                <a:latin typeface="Calibri" panose="020F0502020204030204" pitchFamily="34" charset="0"/>
+              </a:rPr>
+              <a:t> til 	sever»</a:t>
+            </a:r>
+            <a:r>
+              <a:rPr lang="nb-NO" sz="2000" dirty="0">
+                <a:effectLst/>
+                <a:latin typeface="Calibri" panose="020F0502020204030204" pitchFamily="34" charset="0"/>
+              </a:rPr>
+              <a:t> :/var/</a:t>
+            </a:r>
+            <a:r>
+              <a:rPr lang="nb-NO" sz="2000" dirty="0" err="1">
+                <a:effectLst/>
+                <a:latin typeface="Calibri" panose="020F0502020204030204" pitchFamily="34" charset="0"/>
+              </a:rPr>
+              <a:t>www</a:t>
+            </a:r>
+            <a:r>
+              <a:rPr lang="nb-NO" sz="2000" dirty="0">
+                <a:effectLst/>
+                <a:latin typeface="Calibri" panose="020F0502020204030204" pitchFamily="34" charset="0"/>
+              </a:rPr>
+              <a:t>/html</a:t>
+            </a:r>
+          </a:p>
+          <a:p>
+            <a:pPr marL="0" indent="0">
+              <a:buNone/>
+            </a:pPr>
+            <a:r>
+              <a:rPr lang="nb-NO" sz="2000" dirty="0">
+                <a:effectLst/>
+                <a:latin typeface="Calibri" panose="020F0502020204030204" pitchFamily="34" charset="0"/>
+              </a:rPr>
+              <a:t>	Eksempel: </a:t>
+            </a:r>
+            <a:r>
+              <a:rPr lang="nb-NO" sz="2000" dirty="0" err="1">
+                <a:effectLst/>
+                <a:latin typeface="Calibri" panose="020F0502020204030204" pitchFamily="34" charset="0"/>
+              </a:rPr>
+              <a:t>scp</a:t>
+            </a:r>
+            <a:r>
+              <a:rPr lang="nb-NO" sz="2000" dirty="0">
+                <a:effectLst/>
+                <a:latin typeface="Calibri" panose="020F0502020204030204" pitchFamily="34" charset="0"/>
+              </a:rPr>
+              <a:t> -r Terminoppgave\ Høst/ adbaa005@10.100.4.161:/var/</a:t>
+            </a:r>
+            <a:r>
+              <a:rPr lang="nb-NO" sz="2000" dirty="0" err="1">
+                <a:effectLst/>
+                <a:latin typeface="Calibri" panose="020F0502020204030204" pitchFamily="34" charset="0"/>
+              </a:rPr>
+              <a:t>www</a:t>
+            </a:r>
+            <a:r>
+              <a:rPr lang="nb-NO" sz="2000" dirty="0">
+                <a:effectLst/>
+                <a:latin typeface="Calibri" panose="020F0502020204030204" pitchFamily="34" charset="0"/>
+              </a:rPr>
+              <a:t>/html</a:t>
+            </a:r>
+          </a:p>
+          <a:p>
+            <a:pPr marL="0" indent="0">
+              <a:buNone/>
+            </a:pPr>
+            <a:endParaRPr lang="nn-NO" sz="2000" dirty="0"/>
+          </a:p>
+          <a:p>
+            <a:pPr marL="0" indent="0">
+              <a:buNone/>
+            </a:pPr>
+            <a:endParaRPr lang="en-GB" dirty="0"/>
+          </a:p>
+        </p:txBody>
+      </p:sp>
+    </p:spTree>
+    <p:extLst>
+      <p:ext uri="{BB962C8B-B14F-4D97-AF65-F5344CB8AC3E}">
+        <p14:creationId xmlns:p14="http://schemas.microsoft.com/office/powerpoint/2010/main" val="1861573702"/>
+      </p:ext>
+    </p:extLst>
+  </p:cSld>
+  <p:clrMapOvr>
+    <a:masterClrMapping/>
+  </p:clrMapOvr>
+</p:sld>
+</file>
+
+<file path=ppt/slides/slide11.xml><?xml version="1.0" encoding="utf-8"?>
+<p:sld xmlns:a="http://schemas.openxmlformats.org/drawingml/2006/main" xmlns:r="http://schemas.openxmlformats.org/officeDocument/2006/relationships" xmlns:p="http://schemas.openxmlformats.org/presentationml/2006/main">
+  <p:cSld>
+    <p:spTree>
+      <p:nvGrpSpPr>
+        <p:cNvPr id="1" name=""/>
+        <p:cNvGrpSpPr/>
+        <p:nvPr/>
+      </p:nvGrpSpPr>
+      <p:grpSpPr>
+        <a:xfrm>
+          <a:off x="0" y="0"/>
+          <a:ext cx="0" cy="0"/>
+          <a:chOff x="0" y="0"/>
+          <a:chExt cx="0" cy="0"/>
+        </a:xfrm>
+      </p:grpSpPr>
+      <p:sp>
+        <p:nvSpPr>
+          <p:cNvPr id="2" name="Tittel 1">
+            <a:extLst>
+              <a:ext uri="{FF2B5EF4-FFF2-40B4-BE49-F238E27FC236}">
+                <a16:creationId xmlns:a16="http://schemas.microsoft.com/office/drawing/2014/main" id="{21E8067B-D394-4D11-2600-3D1840CAF962}"/>
+              </a:ext>
+            </a:extLst>
+          </p:cNvPr>
+          <p:cNvSpPr>
+            <a:spLocks noGrp="1"/>
+          </p:cNvSpPr>
+          <p:nvPr>
+            <p:ph type="title"/>
+          </p:nvPr>
+        </p:nvSpPr>
+        <p:spPr/>
+        <p:txBody>
+          <a:bodyPr/>
+          <a:lstStyle/>
+          <a:p>
+            <a:r>
+              <a:rPr lang="nb-NO" dirty="0" err="1"/>
+              <a:t>MariaDB</a:t>
+            </a:r>
+            <a:r>
+              <a:rPr lang="nb-NO" dirty="0"/>
+              <a:t> konfigurasjon </a:t>
+            </a:r>
+          </a:p>
+        </p:txBody>
+      </p:sp>
+      <p:sp>
+        <p:nvSpPr>
+          <p:cNvPr id="3" name="Plassholder for innhold 2">
+            <a:extLst>
+              <a:ext uri="{FF2B5EF4-FFF2-40B4-BE49-F238E27FC236}">
+                <a16:creationId xmlns:a16="http://schemas.microsoft.com/office/drawing/2014/main" id="{DBC21EA2-E29F-FF62-ED7E-1DDA6C6A4842}"/>
+              </a:ext>
+            </a:extLst>
+          </p:cNvPr>
+          <p:cNvSpPr>
+            <a:spLocks noGrp="1"/>
+          </p:cNvSpPr>
+          <p:nvPr>
+            <p:ph idx="1"/>
+          </p:nvPr>
+        </p:nvSpPr>
+        <p:spPr/>
+        <p:txBody>
+          <a:bodyPr/>
+          <a:lstStyle/>
+          <a:p>
+            <a:pPr marL="514350" indent="-514350">
+              <a:buAutoNum type="arabicPeriod"/>
+            </a:pPr>
+            <a:r>
+              <a:rPr lang="nb-NO" dirty="0"/>
+              <a:t>Lag bruker i </a:t>
+            </a:r>
+            <a:r>
+              <a:rPr lang="nb-NO" dirty="0" err="1"/>
+              <a:t>MariaDB</a:t>
+            </a:r>
+            <a:r>
+              <a:rPr lang="nb-NO" dirty="0"/>
+              <a:t>:</a:t>
+            </a:r>
+          </a:p>
+          <a:p>
+            <a:pPr marL="457200" lvl="1" indent="0">
+              <a:buNone/>
+            </a:pPr>
+            <a:r>
+              <a:rPr lang="nb-NO" i="1" dirty="0" err="1"/>
+              <a:t>Mysql</a:t>
+            </a:r>
+            <a:r>
+              <a:rPr lang="nb-NO" i="1" dirty="0"/>
+              <a:t> –u </a:t>
+            </a:r>
+            <a:r>
+              <a:rPr lang="nb-NO" i="1" dirty="0" err="1"/>
+              <a:t>root</a:t>
+            </a:r>
+            <a:r>
+              <a:rPr lang="nb-NO" i="1" dirty="0"/>
+              <a:t> –p </a:t>
+            </a:r>
+            <a:r>
+              <a:rPr lang="nb-NO" dirty="0"/>
+              <a:t>eller </a:t>
+            </a:r>
+            <a:r>
+              <a:rPr lang="nb-NO" i="1" dirty="0" err="1"/>
+              <a:t>sudo</a:t>
+            </a:r>
+            <a:r>
+              <a:rPr lang="nb-NO" i="1" dirty="0"/>
+              <a:t> </a:t>
+            </a:r>
+            <a:r>
+              <a:rPr lang="nb-NO" i="1" dirty="0" err="1"/>
+              <a:t>mariaDB</a:t>
+            </a:r>
+            <a:r>
+              <a:rPr lang="nb-NO" i="1" dirty="0"/>
+              <a:t> –u </a:t>
+            </a:r>
+            <a:r>
+              <a:rPr lang="nb-NO" i="1" dirty="0" err="1"/>
+              <a:t>root</a:t>
+            </a:r>
+            <a:r>
+              <a:rPr lang="nb-NO" i="1" dirty="0"/>
+              <a:t> -p</a:t>
+            </a:r>
+          </a:p>
+          <a:p>
+            <a:pPr marL="457200" lvl="1" indent="0">
+              <a:buNone/>
+            </a:pPr>
+            <a:r>
+              <a:rPr lang="en-GB" i="1" dirty="0"/>
+              <a:t>CREATE USER </a:t>
+            </a:r>
+            <a:r>
+              <a:rPr lang="en-GB" i="1" dirty="0" err="1"/>
+              <a:t>remoteuser@localhost</a:t>
+            </a:r>
+            <a:r>
+              <a:rPr lang="en-GB" i="1" dirty="0"/>
+              <a:t> IDENTIFIED BY ‘</a:t>
+            </a:r>
+            <a:r>
+              <a:rPr lang="en-GB" i="1" dirty="0" err="1"/>
+              <a:t>miau</a:t>
+            </a:r>
+            <a:r>
+              <a:rPr lang="en-GB" i="1" dirty="0"/>
+              <a:t>';</a:t>
+            </a:r>
+          </a:p>
+          <a:p>
+            <a:pPr marL="457200" lvl="1" indent="0">
+              <a:buNone/>
+            </a:pPr>
+            <a:r>
+              <a:rPr lang="en-GB" i="1" dirty="0"/>
+              <a:t>GRANT ALL PRIVILEGES ON *.* TO ‘</a:t>
+            </a:r>
+            <a:r>
+              <a:rPr lang="en-GB" i="1" dirty="0" err="1"/>
+              <a:t>remoteuser</a:t>
+            </a:r>
+            <a:r>
+              <a:rPr lang="en-GB" i="1" dirty="0"/>
+              <a:t>'@localhost IDENTIFIED BY ‘</a:t>
+            </a:r>
+            <a:r>
+              <a:rPr lang="en-GB" i="1" dirty="0" err="1"/>
+              <a:t>miau</a:t>
+            </a:r>
+            <a:r>
+              <a:rPr lang="en-GB" i="1" dirty="0"/>
+              <a:t>’;</a:t>
+            </a:r>
+            <a:endParaRPr lang="nb-NO" i="1" dirty="0"/>
+          </a:p>
+          <a:p>
+            <a:pPr marL="514350" indent="-514350">
+              <a:buFont typeface="+mj-lt"/>
+              <a:buAutoNum type="arabicPeriod"/>
+            </a:pPr>
+            <a:r>
+              <a:rPr lang="nb-NO" dirty="0"/>
+              <a:t>Aktiver </a:t>
+            </a:r>
+            <a:r>
+              <a:rPr lang="nb-NO" dirty="0" err="1"/>
+              <a:t>sql</a:t>
+            </a:r>
+            <a:r>
+              <a:rPr lang="nb-NO" dirty="0"/>
+              <a:t> </a:t>
+            </a:r>
+            <a:r>
+              <a:rPr lang="nb-NO" dirty="0" err="1"/>
+              <a:t>sourse</a:t>
+            </a:r>
+            <a:r>
+              <a:rPr lang="nb-NO" dirty="0"/>
+              <a:t> file:</a:t>
+            </a:r>
+          </a:p>
+          <a:p>
+            <a:pPr marL="0" indent="0">
+              <a:buNone/>
+            </a:pPr>
+            <a:r>
+              <a:rPr lang="nb-NO" dirty="0"/>
+              <a:t>Fortsatt i </a:t>
+            </a:r>
+            <a:r>
+              <a:rPr lang="nb-NO" dirty="0" err="1"/>
+              <a:t>MariaDB</a:t>
+            </a:r>
+            <a:r>
+              <a:rPr lang="nb-NO" dirty="0"/>
+              <a:t> med </a:t>
+            </a:r>
+            <a:r>
+              <a:rPr lang="nb-NO" i="1" dirty="0" err="1"/>
+              <a:t>remoteuser</a:t>
+            </a:r>
+            <a:r>
+              <a:rPr lang="nb-NO" dirty="0"/>
+              <a:t> </a:t>
+            </a:r>
+            <a:r>
+              <a:rPr lang="nb-NO" dirty="0" err="1"/>
+              <a:t>logged</a:t>
+            </a:r>
+            <a:r>
+              <a:rPr lang="nb-NO" dirty="0"/>
+              <a:t> på:</a:t>
+            </a:r>
+          </a:p>
+          <a:p>
+            <a:pPr marL="0" indent="0">
+              <a:buNone/>
+            </a:pPr>
+            <a:r>
+              <a:rPr lang="nb-NO" i="1" dirty="0"/>
+              <a:t>	Source /var/</a:t>
+            </a:r>
+            <a:r>
+              <a:rPr lang="nb-NO" i="1" dirty="0" err="1"/>
+              <a:t>www</a:t>
+            </a:r>
+            <a:r>
+              <a:rPr lang="nb-NO" i="1" dirty="0"/>
+              <a:t>/html/Terminoppgave 	Høst/Dokumenter/</a:t>
+            </a:r>
+            <a:r>
+              <a:rPr lang="nb-NO" i="1" dirty="0" err="1"/>
+              <a:t>mysqlcreatetableandschema.sql</a:t>
+            </a:r>
+            <a:endParaRPr lang="nb-NO" i="1" dirty="0"/>
+          </a:p>
+        </p:txBody>
+      </p:sp>
+    </p:spTree>
+    <p:extLst>
+      <p:ext uri="{BB962C8B-B14F-4D97-AF65-F5344CB8AC3E}">
+        <p14:creationId xmlns:p14="http://schemas.microsoft.com/office/powerpoint/2010/main" val="2289990041"/>
+      </p:ext>
+    </p:extLst>
+  </p:cSld>
+  <p:clrMapOvr>
+    <a:masterClrMapping/>
+  </p:clrMapOvr>
+</p:sld>
+</file>
+
 <file path=ppt/slides/slide2.xml><?xml version="1.0" encoding="utf-8"?>
 <p:sld xmlns:a="http://schemas.openxmlformats.org/drawingml/2006/main" xmlns:r="http://schemas.openxmlformats.org/officeDocument/2006/relationships" xmlns:p="http://schemas.openxmlformats.org/presentationml/2006/main">
   <p:cSld>
@@ -4135,8 +5200,8 @@
         </p:nvSpPr>
         <p:spPr>
           <a:xfrm>
-            <a:off x="4180114" y="2539773"/>
-            <a:ext cx="2938153" cy="452809"/>
+            <a:off x="4180114" y="2313369"/>
+            <a:ext cx="3404265" cy="679214"/>
           </a:xfrm>
           <a:prstGeom prst="rect">
             <a:avLst/>
@@ -4144,7 +5209,7 @@
         </p:spPr>
         <p:txBody>
           <a:bodyPr vert="horz" lIns="91440" tIns="45720" rIns="91440" bIns="45720" rtlCol="0">
-            <a:normAutofit/>
+            <a:noAutofit/>
           </a:bodyPr>
           <a:lstStyle>
             <a:lvl1pPr marL="228600" indent="-228600" algn="l" defTabSz="914400" rtl="0" eaLnBrk="1" latinLnBrk="0" hangingPunct="1">
@@ -4318,7 +5383,7 @@
               <a:rPr lang="nb-NO" sz="2200" b="1" dirty="0">
                 <a:latin typeface="Alfabet"/>
               </a:rPr>
-              <a:t>Sett opp database</a:t>
+              <a:t>Oppsett av database (i server)</a:t>
             </a:r>
           </a:p>
         </p:txBody>
@@ -5000,10 +6065,67 @@
               <a:buNone/>
             </a:pPr>
             <a:r>
+              <a:rPr lang="nb-NO" sz="1800" dirty="0">
+                <a:latin typeface="Alfabet"/>
+              </a:rPr>
+              <a:t>System-oppsett (8)</a:t>
+            </a:r>
+          </a:p>
+          <a:p>
+            <a:pPr marL="0" indent="0">
+              <a:buNone/>
+            </a:pPr>
+            <a:r>
               <a:rPr lang="nb-NO" sz="1800" dirty="0" err="1">
                 <a:latin typeface="Alfabet"/>
               </a:rPr>
-              <a:t>aw</a:t>
+              <a:t>Installsjon</a:t>
+            </a:r>
+            <a:r>
+              <a:rPr lang="nb-NO" sz="1800" dirty="0">
+                <a:latin typeface="Alfabet"/>
+              </a:rPr>
+              <a:t> av pakker (9)</a:t>
+            </a:r>
+          </a:p>
+          <a:p>
+            <a:pPr marL="0" indent="0">
+              <a:buNone/>
+            </a:pPr>
+            <a:r>
+              <a:rPr lang="nb-NO" sz="1800" dirty="0">
+                <a:latin typeface="Alfabet"/>
+              </a:rPr>
+              <a:t>Kopiere «</a:t>
+            </a:r>
+            <a:r>
+              <a:rPr lang="nb-NO" sz="1800" dirty="0" err="1">
+                <a:latin typeface="Alfabet"/>
+              </a:rPr>
+              <a:t>directory</a:t>
+            </a:r>
+            <a:r>
+              <a:rPr lang="nb-NO" sz="1800" dirty="0">
+                <a:latin typeface="Alfabet"/>
+              </a:rPr>
+              <a:t>» (10)</a:t>
+            </a:r>
+          </a:p>
+          <a:p>
+            <a:pPr marL="0" indent="0">
+              <a:buNone/>
+            </a:pPr>
+            <a:r>
+              <a:rPr lang="nb-NO" sz="1800" dirty="0" err="1">
+                <a:latin typeface="Alfabet"/>
+              </a:rPr>
+              <a:t>MariaDB</a:t>
+            </a:r>
+            <a:r>
+              <a:rPr lang="nb-NO" sz="1800">
+                <a:latin typeface="Alfabet"/>
+              </a:rPr>
+              <a:t> konfigurasjon (11)</a:t>
             </a:r>
             <a:endParaRPr lang="nb-NO" sz="1800" dirty="0">
               <a:latin typeface="Alfabet"/>
@@ -6267,7 +7389,7 @@
         </p:spPr>
         <p:txBody>
           <a:bodyPr>
-            <a:normAutofit fontScale="92500" lnSpcReduction="10000"/>
+            <a:normAutofit/>
           </a:bodyPr>
           <a:lstStyle/>
           <a:p>
@@ -6278,7 +7400,7 @@
               <a:buNone/>
             </a:pPr>
             <a:r>
-              <a:rPr lang="nb-NO" sz="1800" noProof="1">
+              <a:rPr lang="nb-NO" sz="1500" noProof="1">
                 <a:latin typeface="Alfabet"/>
               </a:rPr>
               <a:t>PHP brukes til levering av data til og fra database, til og fra klienten.</a:t>
@@ -6292,7 +7414,7 @@
               <a:buAutoNum type="arabicPeriod"/>
             </a:pPr>
             <a:r>
-              <a:rPr lang="nb-NO" sz="1800" noProof="1">
+              <a:rPr lang="nb-NO" sz="1500" noProof="1">
                 <a:latin typeface="Alfabet"/>
               </a:rPr>
               <a:t>PDO – connection (PHP Data objects)</a:t>
@@ -6306,7 +7428,7 @@
               <a:buNone/>
             </a:pPr>
             <a:r>
-              <a:rPr lang="nb-NO" sz="1800" noProof="1">
+              <a:rPr lang="nb-NO" sz="1500" noProof="1">
                 <a:latin typeface="Alfabet"/>
               </a:rPr>
               <a:t>PDO er mer flexsibel og sikker enn vanlig mysql_connect. Min kobling mellom klient og database er stor sett PDO connection.</a:t>
@@ -6320,7 +7442,7 @@
               <a:buAutoNum type="arabicPeriod"/>
             </a:pPr>
             <a:r>
-              <a:rPr lang="nb-NO" sz="1800" noProof="1">
+              <a:rPr lang="nb-NO" sz="1500" noProof="1">
                 <a:latin typeface="Alfabet"/>
               </a:rPr>
               <a:t>SESSIONS</a:t>
@@ -6334,7 +7456,7 @@
               <a:buNone/>
             </a:pPr>
             <a:r>
-              <a:rPr lang="nb-NO" sz="1800" noProof="1">
+              <a:rPr lang="nb-NO" sz="1500" noProof="1">
                 <a:latin typeface="Alfabet"/>
               </a:rPr>
               <a:t>SESSIONS er php-cookies (basically) og brukes til overføring data mellom felles php-sider. SESSIONS inneholder din login detaljer og id til database. Denne løsningen er bedre enn f.eks. local_storage javascript i et man kan se detaljene uten.</a:t>
@@ -6349,7 +7471,7 @@
               <a:buAutoNum type="arabicPeriod"/>
             </a:pPr>
             <a:r>
-              <a:rPr lang="nb-NO" sz="1800" noProof="1">
+              <a:rPr lang="nb-NO" sz="1500" noProof="1">
                 <a:latin typeface="Alfabet"/>
               </a:rPr>
               <a:t>Requires</a:t>
@@ -6363,7 +7485,7 @@
               <a:buNone/>
             </a:pPr>
             <a:r>
-              <a:rPr lang="nb-NO" sz="1800" noProof="1">
+              <a:rPr lang="nb-NO" sz="1500" noProof="1">
                 <a:latin typeface="Alfabet"/>
               </a:rPr>
               <a:t>Inkludere andre filer i en fil uten å kopiere kode. Bruker dette til navigations bar i html sider, og for å dele PDO kobling detaljser til sider som trenger det.</a:t>
@@ -6491,6 +7613,827 @@
     <p:extLst>
       <p:ext uri="{BB962C8B-B14F-4D97-AF65-F5344CB8AC3E}">
         <p14:creationId xmlns:p14="http://schemas.microsoft.com/office/powerpoint/2010/main" val="137444079"/>
+      </p:ext>
+    </p:extLst>
+  </p:cSld>
+  <p:clrMapOvr>
+    <a:masterClrMapping/>
+  </p:clrMapOvr>
+</p:sld>
+</file>
+
+<file path=ppt/slides/slide8.xml><?xml version="1.0" encoding="utf-8"?>
+<p:sld xmlns:a="http://schemas.openxmlformats.org/drawingml/2006/main" xmlns:r="http://schemas.openxmlformats.org/officeDocument/2006/relationships" xmlns:p="http://schemas.openxmlformats.org/presentationml/2006/main">
+  <p:cSld>
+    <p:spTree>
+      <p:nvGrpSpPr>
+        <p:cNvPr id="1" name=""/>
+        <p:cNvGrpSpPr/>
+        <p:nvPr/>
+      </p:nvGrpSpPr>
+      <p:grpSpPr>
+        <a:xfrm>
+          <a:off x="0" y="0"/>
+          <a:ext cx="0" cy="0"/>
+          <a:chOff x="0" y="0"/>
+          <a:chExt cx="0" cy="0"/>
+        </a:xfrm>
+      </p:grpSpPr>
+      <p:sp>
+        <p:nvSpPr>
+          <p:cNvPr id="2" name="Tittel 1">
+            <a:extLst>
+              <a:ext uri="{FF2B5EF4-FFF2-40B4-BE49-F238E27FC236}">
+                <a16:creationId xmlns:a16="http://schemas.microsoft.com/office/drawing/2014/main" id="{B10DD15A-838F-B8FF-7095-B5E42E144D80}"/>
+              </a:ext>
+            </a:extLst>
+          </p:cNvPr>
+          <p:cNvSpPr>
+            <a:spLocks noGrp="1"/>
+          </p:cNvSpPr>
+          <p:nvPr>
+            <p:ph type="title"/>
+          </p:nvPr>
+        </p:nvSpPr>
+        <p:spPr>
+          <a:xfrm>
+            <a:off x="743198" y="470377"/>
+            <a:ext cx="5605844" cy="1325563"/>
+          </a:xfrm>
+        </p:spPr>
+        <p:txBody>
+          <a:bodyPr>
+            <a:normAutofit/>
+          </a:bodyPr>
+          <a:lstStyle/>
+          <a:p>
+            <a:r>
+              <a:rPr lang="nb-NO" dirty="0">
+                <a:latin typeface="Alfabet"/>
+              </a:rPr>
+              <a:t>System oppsett</a:t>
+            </a:r>
+          </a:p>
+        </p:txBody>
+      </p:sp>
+      <p:sp>
+        <p:nvSpPr>
+          <p:cNvPr id="3" name="Plassholder for innhold 2">
+            <a:extLst>
+              <a:ext uri="{FF2B5EF4-FFF2-40B4-BE49-F238E27FC236}">
+                <a16:creationId xmlns:a16="http://schemas.microsoft.com/office/drawing/2014/main" id="{0F3AA800-AFEC-B4F8-49B4-4686A21BF224}"/>
+              </a:ext>
+            </a:extLst>
+          </p:cNvPr>
+          <p:cNvSpPr>
+            <a:spLocks noGrp="1"/>
+          </p:cNvSpPr>
+          <p:nvPr>
+            <p:ph idx="1"/>
+          </p:nvPr>
+        </p:nvSpPr>
+        <p:spPr>
+          <a:xfrm>
+            <a:off x="743198" y="1721923"/>
+            <a:ext cx="10705604" cy="4665699"/>
+          </a:xfrm>
+        </p:spPr>
+        <p:txBody>
+          <a:bodyPr>
+            <a:normAutofit/>
+          </a:bodyPr>
+          <a:lstStyle/>
+          <a:p>
+            <a:pPr marL="457200" indent="-457200">
+              <a:lnSpc>
+                <a:spcPct val="150000"/>
+              </a:lnSpc>
+              <a:buFont typeface="+mj-lt"/>
+              <a:buAutoNum type="arabicPeriod"/>
+            </a:pPr>
+            <a:r>
+              <a:rPr lang="nb-NO" sz="2400" noProof="1">
+                <a:latin typeface="Alfabet"/>
+              </a:rPr>
+              <a:t>Maskin til server (burde ha inneholder en linux terminal)</a:t>
+            </a:r>
+            <a:endParaRPr lang="nb-NO" sz="2000" noProof="1">
+              <a:latin typeface="Alfabet"/>
+            </a:endParaRPr>
+          </a:p>
+          <a:p>
+            <a:pPr marL="457200" indent="-457200">
+              <a:lnSpc>
+                <a:spcPct val="150000"/>
+              </a:lnSpc>
+              <a:buFont typeface="+mj-lt"/>
+              <a:buAutoNum type="arabicPeriod"/>
+            </a:pPr>
+            <a:r>
+              <a:rPr lang="nb-NO" sz="2400" noProof="1">
+                <a:latin typeface="Alfabet"/>
+              </a:rPr>
+              <a:t>Valgfritt:</a:t>
+            </a:r>
+          </a:p>
+          <a:p>
+            <a:pPr lvl="1">
+              <a:lnSpc>
+                <a:spcPct val="150000"/>
+              </a:lnSpc>
+            </a:pPr>
+            <a:r>
+              <a:rPr lang="nb-NO" sz="2000" noProof="1">
+                <a:latin typeface="Alfabet"/>
+              </a:rPr>
+              <a:t>Ekstren Pc.</a:t>
+            </a:r>
+          </a:p>
+        </p:txBody>
+      </p:sp>
+    </p:spTree>
+    <p:extLst>
+      <p:ext uri="{BB962C8B-B14F-4D97-AF65-F5344CB8AC3E}">
+        <p14:creationId xmlns:p14="http://schemas.microsoft.com/office/powerpoint/2010/main" val="1979132623"/>
+      </p:ext>
+    </p:extLst>
+  </p:cSld>
+  <p:clrMapOvr>
+    <a:masterClrMapping/>
+  </p:clrMapOvr>
+</p:sld>
+</file>
+
+<file path=ppt/slides/slide9.xml><?xml version="1.0" encoding="utf-8"?>
+<p:sld xmlns:a="http://schemas.openxmlformats.org/drawingml/2006/main" xmlns:r="http://schemas.openxmlformats.org/officeDocument/2006/relationships" xmlns:p="http://schemas.openxmlformats.org/presentationml/2006/main">
+  <p:cSld>
+    <p:spTree>
+      <p:nvGrpSpPr>
+        <p:cNvPr id="1" name=""/>
+        <p:cNvGrpSpPr/>
+        <p:nvPr/>
+      </p:nvGrpSpPr>
+      <p:grpSpPr>
+        <a:xfrm>
+          <a:off x="0" y="0"/>
+          <a:ext cx="0" cy="0"/>
+          <a:chOff x="0" y="0"/>
+          <a:chExt cx="0" cy="0"/>
+        </a:xfrm>
+      </p:grpSpPr>
+      <p:sp>
+        <p:nvSpPr>
+          <p:cNvPr id="2" name="Tittel 1">
+            <a:extLst>
+              <a:ext uri="{FF2B5EF4-FFF2-40B4-BE49-F238E27FC236}">
+                <a16:creationId xmlns:a16="http://schemas.microsoft.com/office/drawing/2014/main" id="{86676FE9-FAA8-C2C3-44E0-A85551496DCD}"/>
+              </a:ext>
+            </a:extLst>
+          </p:cNvPr>
+          <p:cNvSpPr>
+            <a:spLocks noGrp="1"/>
+          </p:cNvSpPr>
+          <p:nvPr>
+            <p:ph type="title"/>
+          </p:nvPr>
+        </p:nvSpPr>
+        <p:spPr/>
+        <p:txBody>
+          <a:bodyPr/>
+          <a:lstStyle/>
+          <a:p>
+            <a:r>
+              <a:rPr lang="nb-NO" dirty="0"/>
+              <a:t>Installasjon av pakker</a:t>
+            </a:r>
+          </a:p>
+        </p:txBody>
+      </p:sp>
+      <p:sp>
+        <p:nvSpPr>
+          <p:cNvPr id="3" name="Plassholder for innhold 2">
+            <a:extLst>
+              <a:ext uri="{FF2B5EF4-FFF2-40B4-BE49-F238E27FC236}">
+                <a16:creationId xmlns:a16="http://schemas.microsoft.com/office/drawing/2014/main" id="{E69BE2D3-12C1-56E5-5212-12C9723D4438}"/>
+              </a:ext>
+            </a:extLst>
+          </p:cNvPr>
+          <p:cNvSpPr>
+            <a:spLocks noGrp="1"/>
+          </p:cNvSpPr>
+          <p:nvPr>
+            <p:ph idx="1"/>
+          </p:nvPr>
+        </p:nvSpPr>
+        <p:spPr/>
+        <p:txBody>
+          <a:bodyPr>
+            <a:normAutofit fontScale="70000" lnSpcReduction="20000"/>
+          </a:bodyPr>
+          <a:lstStyle/>
+          <a:p>
+            <a:pPr marL="0" indent="0">
+              <a:buNone/>
+            </a:pPr>
+            <a:r>
+              <a:rPr lang="nb-NO" sz="2400" dirty="0">
+                <a:latin typeface="Calibri" panose="020F0502020204030204" pitchFamily="34" charset="0"/>
+              </a:rPr>
+              <a:t>Før noen installasjon av datapakker må vi sørge for at systemet ditt er i sitt nyeste </a:t>
+            </a:r>
+            <a:r>
+              <a:rPr lang="nb-NO" sz="2400" dirty="0" err="1">
+                <a:latin typeface="Calibri" panose="020F0502020204030204" pitchFamily="34" charset="0"/>
+              </a:rPr>
+              <a:t>version</a:t>
+            </a:r>
+            <a:r>
+              <a:rPr lang="nb-NO" sz="2400" dirty="0">
+                <a:latin typeface="Calibri" panose="020F0502020204030204" pitchFamily="34" charset="0"/>
+              </a:rPr>
+              <a:t>:</a:t>
+            </a:r>
+          </a:p>
+          <a:p>
+            <a:pPr marL="0" indent="0">
+              <a:buNone/>
+            </a:pPr>
+            <a:r>
+              <a:rPr lang="nb-NO" i="1" dirty="0">
+                <a:effectLst/>
+                <a:latin typeface="Calibri" panose="020F0502020204030204" pitchFamily="34" charset="0"/>
+              </a:rPr>
+              <a:t>	</a:t>
+            </a:r>
+            <a:r>
+              <a:rPr lang="nb-NO" i="1" dirty="0" err="1">
+                <a:effectLst/>
+                <a:latin typeface="Calibri" panose="020F0502020204030204" pitchFamily="34" charset="0"/>
+              </a:rPr>
+              <a:t>sudo</a:t>
+            </a:r>
+            <a:r>
+              <a:rPr lang="nb-NO" i="1" dirty="0">
+                <a:effectLst/>
+                <a:latin typeface="Calibri" panose="020F0502020204030204" pitchFamily="34" charset="0"/>
+              </a:rPr>
+              <a:t> apt </a:t>
+            </a:r>
+            <a:r>
+              <a:rPr lang="nb-NO" i="1" dirty="0" err="1">
+                <a:effectLst/>
+                <a:latin typeface="Calibri" panose="020F0502020204030204" pitchFamily="34" charset="0"/>
+              </a:rPr>
+              <a:t>update</a:t>
+            </a:r>
+            <a:endParaRPr lang="nb-NO" i="1" dirty="0">
+              <a:latin typeface="Calibri" panose="020F0502020204030204" pitchFamily="34" charset="0"/>
+            </a:endParaRPr>
+          </a:p>
+          <a:p>
+            <a:pPr marL="0" indent="0">
+              <a:buNone/>
+            </a:pPr>
+            <a:r>
+              <a:rPr lang="nb-NO" i="1" dirty="0">
+                <a:effectLst/>
+                <a:latin typeface="Calibri" panose="020F0502020204030204" pitchFamily="34" charset="0"/>
+              </a:rPr>
+              <a:t>	</a:t>
+            </a:r>
+            <a:r>
+              <a:rPr lang="nb-NO" i="1" dirty="0" err="1">
+                <a:effectLst/>
+                <a:latin typeface="Calibri" panose="020F0502020204030204" pitchFamily="34" charset="0"/>
+              </a:rPr>
+              <a:t>sudo</a:t>
+            </a:r>
+            <a:r>
+              <a:rPr lang="nb-NO" i="1" dirty="0">
+                <a:effectLst/>
+                <a:latin typeface="Calibri" panose="020F0502020204030204" pitchFamily="34" charset="0"/>
+              </a:rPr>
+              <a:t> apt </a:t>
+            </a:r>
+            <a:r>
+              <a:rPr lang="nb-NO" i="1" dirty="0" err="1">
+                <a:effectLst/>
+                <a:latin typeface="Calibri" panose="020F0502020204030204" pitchFamily="34" charset="0"/>
+              </a:rPr>
+              <a:t>upgrade</a:t>
+            </a:r>
+            <a:endParaRPr lang="nb-NO" i="1" dirty="0">
+              <a:effectLst/>
+              <a:latin typeface="Calibri" panose="020F0502020204030204" pitchFamily="34" charset="0"/>
+            </a:endParaRPr>
+          </a:p>
+          <a:p>
+            <a:pPr marL="342900" indent="-342900">
+              <a:buFont typeface="+mj-lt"/>
+              <a:buAutoNum type="arabicPeriod"/>
+            </a:pPr>
+            <a:r>
+              <a:rPr lang="nb-NO" sz="2400" dirty="0">
+                <a:latin typeface="Calibri" panose="020F0502020204030204" pitchFamily="34" charset="0"/>
+              </a:rPr>
+              <a:t>Installere webserver; </a:t>
+            </a:r>
+            <a:r>
+              <a:rPr lang="nb-NO" sz="2400" dirty="0" err="1">
+                <a:latin typeface="Calibri" panose="020F0502020204030204" pitchFamily="34" charset="0"/>
+              </a:rPr>
+              <a:t>apache</a:t>
+            </a:r>
+            <a:r>
+              <a:rPr lang="nb-NO" sz="2400" dirty="0">
+                <a:latin typeface="Calibri" panose="020F0502020204030204" pitchFamily="34" charset="0"/>
+              </a:rPr>
+              <a:t>	</a:t>
+            </a:r>
+          </a:p>
+          <a:p>
+            <a:pPr marL="0" indent="0">
+              <a:buNone/>
+            </a:pPr>
+            <a:r>
+              <a:rPr lang="nb-NO" i="1" dirty="0">
+                <a:effectLst/>
+                <a:latin typeface="Calibri" panose="020F0502020204030204" pitchFamily="34" charset="0"/>
+              </a:rPr>
+              <a:t>	</a:t>
+            </a:r>
+            <a:r>
+              <a:rPr lang="nb-NO" i="1" dirty="0" err="1">
+                <a:effectLst/>
+                <a:latin typeface="Calibri" panose="020F0502020204030204" pitchFamily="34" charset="0"/>
+              </a:rPr>
+              <a:t>sudo</a:t>
+            </a:r>
+            <a:r>
+              <a:rPr lang="nb-NO" i="1" dirty="0">
+                <a:effectLst/>
+                <a:latin typeface="Calibri" panose="020F0502020204030204" pitchFamily="34" charset="0"/>
+              </a:rPr>
+              <a:t> apt </a:t>
+            </a:r>
+            <a:r>
+              <a:rPr lang="nb-NO" i="1" dirty="0" err="1">
+                <a:effectLst/>
+                <a:latin typeface="Calibri" panose="020F0502020204030204" pitchFamily="34" charset="0"/>
+              </a:rPr>
+              <a:t>install</a:t>
+            </a:r>
+            <a:r>
+              <a:rPr lang="nb-NO" i="1" dirty="0">
+                <a:effectLst/>
+                <a:latin typeface="Calibri" panose="020F0502020204030204" pitchFamily="34" charset="0"/>
+              </a:rPr>
+              <a:t> apache2</a:t>
+            </a:r>
+          </a:p>
+          <a:p>
+            <a:pPr marL="0" indent="0">
+              <a:buNone/>
+            </a:pPr>
+            <a:r>
+              <a:rPr lang="nb-NO" i="1" dirty="0">
+                <a:latin typeface="Calibri" panose="020F0502020204030204" pitchFamily="34" charset="0"/>
+              </a:rPr>
+              <a:t>	</a:t>
+            </a:r>
+            <a:r>
+              <a:rPr lang="nb-NO" i="1" dirty="0" err="1">
+                <a:latin typeface="Calibri" panose="020F0502020204030204" pitchFamily="34" charset="0"/>
+              </a:rPr>
+              <a:t>sudo</a:t>
+            </a:r>
+            <a:r>
+              <a:rPr lang="nb-NO" i="1" dirty="0">
+                <a:latin typeface="Calibri" panose="020F0502020204030204" pitchFamily="34" charset="0"/>
+              </a:rPr>
+              <a:t> </a:t>
+            </a:r>
+            <a:r>
+              <a:rPr lang="nb-NO" i="1" dirty="0" err="1">
+                <a:latin typeface="Calibri" panose="020F0502020204030204" pitchFamily="34" charset="0"/>
+              </a:rPr>
+              <a:t>systemctl</a:t>
+            </a:r>
+            <a:r>
+              <a:rPr lang="nb-NO" i="1" dirty="0">
+                <a:latin typeface="Calibri" panose="020F0502020204030204" pitchFamily="34" charset="0"/>
+              </a:rPr>
+              <a:t> </a:t>
+            </a:r>
+            <a:r>
+              <a:rPr lang="nb-NO" i="1" dirty="0" err="1">
+                <a:latin typeface="Calibri" panose="020F0502020204030204" pitchFamily="34" charset="0"/>
+              </a:rPr>
+              <a:t>enable</a:t>
+            </a:r>
+            <a:r>
+              <a:rPr lang="nb-NO" i="1" dirty="0">
+                <a:latin typeface="Calibri" panose="020F0502020204030204" pitchFamily="34" charset="0"/>
+              </a:rPr>
+              <a:t> apache2</a:t>
+            </a:r>
+          </a:p>
+          <a:p>
+            <a:pPr marL="342900" indent="-342900">
+              <a:buFont typeface="+mj-lt"/>
+              <a:buAutoNum type="arabicPeriod"/>
+            </a:pPr>
+            <a:r>
+              <a:rPr lang="nb-NO" sz="2400" dirty="0">
+                <a:effectLst/>
+                <a:latin typeface="Calibri" panose="020F0502020204030204" pitchFamily="34" charset="0"/>
+              </a:rPr>
+              <a:t>Installere </a:t>
+            </a:r>
+            <a:r>
+              <a:rPr lang="nb-NO" sz="2400" dirty="0" err="1">
+                <a:latin typeface="Calibri" panose="020F0502020204030204" pitchFamily="34" charset="0"/>
+              </a:rPr>
+              <a:t>MariaDB</a:t>
+            </a:r>
+            <a:r>
+              <a:rPr lang="nb-NO" sz="2400" dirty="0">
+                <a:latin typeface="Calibri" panose="020F0502020204030204" pitchFamily="34" charset="0"/>
+              </a:rPr>
+              <a:t>:</a:t>
+            </a:r>
+          </a:p>
+          <a:p>
+            <a:pPr marL="0" indent="0">
+              <a:buNone/>
+            </a:pPr>
+            <a:r>
+              <a:rPr lang="nb-NO" i="1" dirty="0">
+                <a:effectLst/>
+                <a:latin typeface="Calibri" panose="020F0502020204030204" pitchFamily="34" charset="0"/>
+              </a:rPr>
+              <a:t>	</a:t>
+            </a:r>
+            <a:r>
+              <a:rPr lang="nb-NO" i="1" dirty="0" err="1">
+                <a:latin typeface="Calibri" panose="020F0502020204030204" pitchFamily="34" charset="0"/>
+              </a:rPr>
+              <a:t>sudo</a:t>
+            </a:r>
+            <a:r>
+              <a:rPr lang="nb-NO" i="1" dirty="0">
+                <a:latin typeface="Calibri" panose="020F0502020204030204" pitchFamily="34" charset="0"/>
+              </a:rPr>
+              <a:t> apt </a:t>
+            </a:r>
+            <a:r>
+              <a:rPr lang="nb-NO" i="1" dirty="0" err="1">
+                <a:latin typeface="Calibri" panose="020F0502020204030204" pitchFamily="34" charset="0"/>
+              </a:rPr>
+              <a:t>install</a:t>
+            </a:r>
+            <a:r>
+              <a:rPr lang="nb-NO" i="1" dirty="0">
+                <a:latin typeface="Calibri" panose="020F0502020204030204" pitchFamily="34" charset="0"/>
+              </a:rPr>
+              <a:t> </a:t>
+            </a:r>
+            <a:r>
+              <a:rPr lang="nb-NO" i="1" dirty="0" err="1">
+                <a:latin typeface="Calibri" panose="020F0502020204030204" pitchFamily="34" charset="0"/>
+              </a:rPr>
+              <a:t>mariadb</a:t>
+            </a:r>
+            <a:r>
+              <a:rPr lang="nb-NO" i="1" dirty="0">
+                <a:latin typeface="Calibri" panose="020F0502020204030204" pitchFamily="34" charset="0"/>
+              </a:rPr>
+              <a:t>-server </a:t>
+            </a:r>
+            <a:r>
+              <a:rPr lang="nb-NO" i="1" dirty="0" err="1">
+                <a:latin typeface="Calibri" panose="020F0502020204030204" pitchFamily="34" charset="0"/>
+              </a:rPr>
+              <a:t>mariadb-client</a:t>
+            </a:r>
+            <a:r>
+              <a:rPr lang="nb-NO" i="1" dirty="0">
+                <a:effectLst/>
+                <a:latin typeface="Calibri" panose="020F0502020204030204" pitchFamily="34" charset="0"/>
+              </a:rPr>
+              <a:t>	</a:t>
+            </a:r>
+          </a:p>
+          <a:p>
+            <a:pPr marL="0" indent="0">
+              <a:buNone/>
+            </a:pPr>
+            <a:r>
+              <a:rPr lang="nb-NO" i="1" dirty="0">
+                <a:effectLst/>
+                <a:latin typeface="Calibri" panose="020F0502020204030204" pitchFamily="34" charset="0"/>
+              </a:rPr>
+              <a:t>	</a:t>
+            </a:r>
+            <a:r>
+              <a:rPr lang="nb-NO" dirty="0">
+                <a:effectLst/>
+                <a:latin typeface="Calibri" panose="020F0502020204030204" pitchFamily="34" charset="0"/>
+              </a:rPr>
+              <a:t>valgfritt</a:t>
+            </a:r>
+            <a:r>
+              <a:rPr lang="nn-NO" dirty="0">
+                <a:effectLst/>
+                <a:latin typeface="Calibri" panose="020F0502020204030204" pitchFamily="34" charset="0"/>
+              </a:rPr>
+              <a:t>:</a:t>
+            </a:r>
+            <a:r>
+              <a:rPr lang="nn-NO" i="1" dirty="0">
+                <a:latin typeface="Calibri" panose="020F0502020204030204" pitchFamily="34" charset="0"/>
+              </a:rPr>
+              <a:t> </a:t>
+            </a:r>
+            <a:r>
+              <a:rPr lang="nn-NO" i="1" dirty="0" err="1">
+                <a:latin typeface="Calibri" panose="020F0502020204030204" pitchFamily="34" charset="0"/>
+              </a:rPr>
+              <a:t>sudo</a:t>
+            </a:r>
+            <a:r>
+              <a:rPr lang="nn-NO" i="1" dirty="0">
+                <a:latin typeface="Calibri" panose="020F0502020204030204" pitchFamily="34" charset="0"/>
+              </a:rPr>
+              <a:t> </a:t>
+            </a:r>
+            <a:r>
+              <a:rPr lang="nn-NO" i="1" dirty="0" err="1">
+                <a:latin typeface="Calibri" panose="020F0502020204030204" pitchFamily="34" charset="0"/>
+              </a:rPr>
+              <a:t>mysql_secure_installation</a:t>
+            </a:r>
+            <a:endParaRPr lang="nn-NO" dirty="0">
+              <a:latin typeface="Calibri" panose="020F0502020204030204" pitchFamily="34" charset="0"/>
+            </a:endParaRPr>
+          </a:p>
+          <a:p>
+            <a:pPr marL="342900" indent="-342900">
+              <a:buFont typeface="+mj-lt"/>
+              <a:buAutoNum type="arabicPeriod"/>
+            </a:pPr>
+            <a:r>
+              <a:rPr lang="nb-NO" sz="2400" dirty="0">
+                <a:effectLst/>
+                <a:latin typeface="Calibri" panose="020F0502020204030204" pitchFamily="34" charset="0"/>
+              </a:rPr>
+              <a:t>Installere </a:t>
+            </a:r>
+            <a:r>
+              <a:rPr lang="nb-NO" sz="2400" dirty="0">
+                <a:latin typeface="Calibri" panose="020F0502020204030204" pitchFamily="34" charset="0"/>
+              </a:rPr>
+              <a:t>PHP:</a:t>
+            </a:r>
+          </a:p>
+          <a:p>
+            <a:pPr marL="457200" lvl="1" indent="0">
+              <a:buNone/>
+            </a:pPr>
+            <a:r>
+              <a:rPr lang="nb-NO" sz="1600" i="1" dirty="0">
+                <a:latin typeface="Calibri" panose="020F0502020204030204" pitchFamily="34" charset="0"/>
+              </a:rPr>
+              <a:t>	</a:t>
+            </a:r>
+            <a:r>
+              <a:rPr lang="nb-NO" sz="2800" i="1" dirty="0" err="1">
+                <a:latin typeface="Calibri" panose="020F0502020204030204" pitchFamily="34" charset="0"/>
+              </a:rPr>
+              <a:t>sudo</a:t>
+            </a:r>
+            <a:r>
+              <a:rPr lang="nb-NO" sz="2800" i="1" dirty="0">
+                <a:latin typeface="Calibri" panose="020F0502020204030204" pitchFamily="34" charset="0"/>
+              </a:rPr>
+              <a:t> apt </a:t>
+            </a:r>
+            <a:r>
+              <a:rPr lang="nb-NO" sz="2800" i="1" dirty="0" err="1">
+                <a:latin typeface="Calibri" panose="020F0502020204030204" pitchFamily="34" charset="0"/>
+              </a:rPr>
+              <a:t>install</a:t>
+            </a:r>
+            <a:r>
+              <a:rPr lang="nb-NO" sz="2800" i="1" dirty="0">
+                <a:latin typeface="Calibri" panose="020F0502020204030204" pitchFamily="34" charset="0"/>
+              </a:rPr>
+              <a:t> </a:t>
+            </a:r>
+            <a:r>
+              <a:rPr lang="nb-NO" sz="2800" i="1" dirty="0" err="1">
+                <a:latin typeface="Calibri" panose="020F0502020204030204" pitchFamily="34" charset="0"/>
+              </a:rPr>
+              <a:t>php</a:t>
+            </a:r>
+            <a:r>
+              <a:rPr lang="nb-NO" sz="2800" i="1" dirty="0">
+                <a:latin typeface="Calibri" panose="020F0502020204030204" pitchFamily="34" charset="0"/>
+              </a:rPr>
+              <a:t> libapache2-mod-php </a:t>
+            </a:r>
+            <a:r>
+              <a:rPr lang="nb-NO" sz="2800" i="1" dirty="0" err="1">
+                <a:latin typeface="Calibri" panose="020F0502020204030204" pitchFamily="34" charset="0"/>
+              </a:rPr>
+              <a:t>php-mysql</a:t>
+            </a:r>
+            <a:r>
+              <a:rPr lang="nb-NO" sz="2800" i="1" dirty="0">
+                <a:latin typeface="Calibri" panose="020F0502020204030204" pitchFamily="34" charset="0"/>
+              </a:rPr>
+              <a:t> </a:t>
+            </a:r>
+            <a:r>
+              <a:rPr lang="nb-NO" sz="2800" i="1" dirty="0" err="1">
+                <a:latin typeface="Calibri" panose="020F0502020204030204" pitchFamily="34" charset="0"/>
+              </a:rPr>
+              <a:t>php-common</a:t>
+            </a:r>
+            <a:endParaRPr lang="nb-NO" sz="2800" i="1" dirty="0">
+              <a:latin typeface="Calibri" panose="020F0502020204030204" pitchFamily="34" charset="0"/>
+            </a:endParaRPr>
+          </a:p>
+          <a:p>
+            <a:pPr marL="457200" lvl="1" indent="0">
+              <a:buNone/>
+            </a:pPr>
+            <a:r>
+              <a:rPr lang="nb-NO" sz="2800" i="1" dirty="0">
+                <a:latin typeface="Calibri" panose="020F0502020204030204" pitchFamily="34" charset="0"/>
+              </a:rPr>
+              <a:t>	</a:t>
+            </a:r>
+            <a:r>
+              <a:rPr lang="nb-NO" sz="2800" i="1" dirty="0" err="1">
+                <a:latin typeface="Calibri" panose="020F0502020204030204" pitchFamily="34" charset="0"/>
+              </a:rPr>
+              <a:t>sudo</a:t>
+            </a:r>
+            <a:r>
+              <a:rPr lang="nb-NO" sz="2800" i="1" dirty="0">
+                <a:latin typeface="Calibri" panose="020F0502020204030204" pitchFamily="34" charset="0"/>
+              </a:rPr>
+              <a:t> apt </a:t>
+            </a:r>
+            <a:r>
+              <a:rPr lang="nb-NO" sz="2800" i="1" dirty="0" err="1">
+                <a:latin typeface="Calibri" panose="020F0502020204030204" pitchFamily="34" charset="0"/>
+              </a:rPr>
+              <a:t>install</a:t>
+            </a:r>
+            <a:r>
+              <a:rPr lang="nb-NO" sz="2800" i="1" dirty="0">
+                <a:latin typeface="Calibri" panose="020F0502020204030204" pitchFamily="34" charset="0"/>
+              </a:rPr>
+              <a:t> </a:t>
+            </a:r>
+            <a:r>
+              <a:rPr lang="nb-NO" sz="2800" i="1" dirty="0" err="1">
+                <a:latin typeface="Calibri" panose="020F0502020204030204" pitchFamily="34" charset="0"/>
+              </a:rPr>
+              <a:t>php-curl</a:t>
+            </a:r>
+            <a:r>
+              <a:rPr lang="nb-NO" sz="2800" i="1" dirty="0">
+                <a:latin typeface="Calibri" panose="020F0502020204030204" pitchFamily="34" charset="0"/>
+              </a:rPr>
+              <a:t> </a:t>
+            </a:r>
+            <a:r>
+              <a:rPr lang="nb-NO" sz="2800" i="1" dirty="0" err="1">
+                <a:latin typeface="Calibri" panose="020F0502020204030204" pitchFamily="34" charset="0"/>
+              </a:rPr>
+              <a:t>php-gd</a:t>
+            </a:r>
+            <a:r>
+              <a:rPr lang="nb-NO" sz="2800" i="1" dirty="0">
+                <a:latin typeface="Calibri" panose="020F0502020204030204" pitchFamily="34" charset="0"/>
+              </a:rPr>
+              <a:t> </a:t>
+            </a:r>
+            <a:r>
+              <a:rPr lang="nb-NO" sz="2800" i="1" dirty="0" err="1">
+                <a:latin typeface="Calibri" panose="020F0502020204030204" pitchFamily="34" charset="0"/>
+              </a:rPr>
+              <a:t>php-mbstring</a:t>
+            </a:r>
+            <a:r>
+              <a:rPr lang="nb-NO" sz="2800" i="1" dirty="0">
+                <a:latin typeface="Calibri" panose="020F0502020204030204" pitchFamily="34" charset="0"/>
+              </a:rPr>
+              <a:t> </a:t>
+            </a:r>
+            <a:r>
+              <a:rPr lang="nb-NO" sz="2800" i="1" dirty="0" err="1">
+                <a:latin typeface="Calibri" panose="020F0502020204030204" pitchFamily="34" charset="0"/>
+              </a:rPr>
+              <a:t>php-xml</a:t>
+            </a:r>
+            <a:r>
+              <a:rPr lang="nb-NO" sz="2800" i="1" dirty="0">
+                <a:latin typeface="Calibri" panose="020F0502020204030204" pitchFamily="34" charset="0"/>
+              </a:rPr>
+              <a:t> </a:t>
+            </a:r>
+            <a:r>
+              <a:rPr lang="nb-NO" sz="2800" i="1" dirty="0" err="1">
+                <a:latin typeface="Calibri" panose="020F0502020204030204" pitchFamily="34" charset="0"/>
+              </a:rPr>
+              <a:t>php-xmlrpc</a:t>
+            </a:r>
+            <a:r>
+              <a:rPr lang="nb-NO" sz="2800" i="1" dirty="0">
+                <a:latin typeface="Calibri" panose="020F0502020204030204" pitchFamily="34" charset="0"/>
+              </a:rPr>
+              <a:t> </a:t>
+            </a:r>
+            <a:r>
+              <a:rPr lang="nb-NO" sz="2800" i="1" dirty="0" err="1">
+                <a:latin typeface="Calibri" panose="020F0502020204030204" pitchFamily="34" charset="0"/>
+              </a:rPr>
+              <a:t>php-soap</a:t>
+            </a:r>
+            <a:r>
+              <a:rPr lang="nb-NO" sz="2800" i="1" dirty="0">
+                <a:latin typeface="Calibri" panose="020F0502020204030204" pitchFamily="34" charset="0"/>
+              </a:rPr>
+              <a:t> </a:t>
+            </a:r>
+            <a:r>
+              <a:rPr lang="nb-NO" sz="2800" i="1" dirty="0" err="1">
+                <a:latin typeface="Calibri" panose="020F0502020204030204" pitchFamily="34" charset="0"/>
+              </a:rPr>
+              <a:t>php-intl</a:t>
+            </a:r>
+            <a:r>
+              <a:rPr lang="nb-NO" sz="2800" i="1" dirty="0">
+                <a:latin typeface="Calibri" panose="020F0502020204030204" pitchFamily="34" charset="0"/>
+              </a:rPr>
+              <a:t> </a:t>
+            </a:r>
+            <a:r>
+              <a:rPr lang="nb-NO" sz="2800" i="1" dirty="0" err="1">
+                <a:latin typeface="Calibri" panose="020F0502020204030204" pitchFamily="34" charset="0"/>
+              </a:rPr>
+              <a:t>php-zip</a:t>
+            </a:r>
+            <a:endParaRPr lang="nb-NO" sz="2800" i="1" dirty="0">
+              <a:latin typeface="Calibri" panose="020F0502020204030204" pitchFamily="34" charset="0"/>
+            </a:endParaRPr>
+          </a:p>
+          <a:p>
+            <a:r>
+              <a:rPr lang="nb-NO" dirty="0" err="1">
+                <a:effectLst/>
+                <a:latin typeface="Calibri" panose="020F0502020204030204" pitchFamily="34" charset="0"/>
+              </a:rPr>
+              <a:t>scp</a:t>
+            </a:r>
+            <a:r>
+              <a:rPr lang="nb-NO" dirty="0">
+                <a:effectLst/>
+                <a:latin typeface="Calibri" panose="020F0502020204030204" pitchFamily="34" charset="0"/>
+              </a:rPr>
+              <a:t> -r Terminoppgave\ Høst/ adbaa005@10.100.4.161:/var/</a:t>
+            </a:r>
+            <a:r>
+              <a:rPr lang="nb-NO" dirty="0" err="1">
+                <a:effectLst/>
+                <a:latin typeface="Calibri" panose="020F0502020204030204" pitchFamily="34" charset="0"/>
+              </a:rPr>
+              <a:t>www</a:t>
+            </a:r>
+            <a:r>
+              <a:rPr lang="nb-NO" dirty="0">
+                <a:effectLst/>
+                <a:latin typeface="Calibri" panose="020F0502020204030204" pitchFamily="34" charset="0"/>
+              </a:rPr>
+              <a:t>/html</a:t>
+            </a:r>
+          </a:p>
+          <a:p>
+            <a:pPr marL="0" indent="0">
+              <a:buNone/>
+            </a:pPr>
+            <a:endParaRPr lang="nb-NO" dirty="0"/>
+          </a:p>
+        </p:txBody>
+      </p:sp>
+    </p:spTree>
+    <p:extLst>
+      <p:ext uri="{BB962C8B-B14F-4D97-AF65-F5344CB8AC3E}">
+        <p14:creationId xmlns:p14="http://schemas.microsoft.com/office/powerpoint/2010/main" val="1958173828"/>
       </p:ext>
     </p:extLst>
   </p:cSld>
